--- a/ReactJS/lesson_26/Presentation/Redux.pptx
+++ b/ReactJS/lesson_26/Presentation/Redux.pptx
@@ -5,7 +5,7 @@
     <p:sldMasterId id="2147483662" r:id="rId1"/>
   </p:sldMasterIdLst>
   <p:sldIdLst>
-    <p:sldId id="257" r:id="rId2"/>
+    <p:sldId id="264" r:id="rId2"/>
     <p:sldId id="258" r:id="rId3"/>
     <p:sldId id="259" r:id="rId4"/>
     <p:sldId id="260" r:id="rId5"/>
@@ -620,7 +620,7 @@
     </p:spTree>
     <p:extLst>
       <p:ext uri="{BB962C8B-B14F-4D97-AF65-F5344CB8AC3E}">
-        <p14:creationId xmlns="" xmlns:p14="http://schemas.microsoft.com/office/powerpoint/2010/main" val="3537187278"/>
+        <p14:creationId xmlns:p14="http://schemas.microsoft.com/office/powerpoint/2010/main" xmlns="" val="3537187278"/>
       </p:ext>
     </p:extLst>
   </p:cSld>
@@ -666,7 +666,7 @@
           <a:blip r:embed="rId2" cstate="print">
             <a:extLst>
               <a:ext uri="{28A0092B-C50C-407E-A947-70E740481C1C}">
-                <a14:useLocalDpi xmlns="" xmlns:a14="http://schemas.microsoft.com/office/drawing/2010/main" val="0"/>
+                <a14:useLocalDpi xmlns:a14="http://schemas.microsoft.com/office/drawing/2010/main" xmlns="" val="0"/>
               </a:ext>
             </a:extLst>
           </a:blip>
@@ -690,14 +690,14 @@
           <a:effectLst/>
           <a:extLst>
             <a:ext uri="{909E8E84-426E-40DD-AFC4-6F175D3DCCD1}">
-              <a14:hiddenFill xmlns="" xmlns:a14="http://schemas.microsoft.com/office/drawing/2010/main">
+              <a14:hiddenFill xmlns:a14="http://schemas.microsoft.com/office/drawing/2010/main" xmlns="">
                 <a:solidFill>
                   <a:schemeClr val="accent1"/>
                 </a:solidFill>
               </a14:hiddenFill>
             </a:ext>
             <a:ext uri="{91240B29-F687-4F45-9708-019B960494DF}">
-              <a14:hiddenLine xmlns="" xmlns:a14="http://schemas.microsoft.com/office/drawing/2010/main" w="9525">
+              <a14:hiddenLine xmlns:a14="http://schemas.microsoft.com/office/drawing/2010/main" xmlns="" w="9525">
                 <a:solidFill>
                   <a:schemeClr val="tx1"/>
                 </a:solidFill>
@@ -707,7 +707,7 @@
               </a14:hiddenLine>
             </a:ext>
             <a:ext uri="{AF507438-7753-43E0-B8FC-AC1667EBCBE1}">
-              <a14:hiddenEffects xmlns="" xmlns:a14="http://schemas.microsoft.com/office/drawing/2010/main">
+              <a14:hiddenEffects xmlns:a14="http://schemas.microsoft.com/office/drawing/2010/main" xmlns="">
                 <a:effectLst>
                   <a:outerShdw dist="35921" dir="2700000" algn="ctr" rotWithShape="0">
                     <a:schemeClr val="bg2"/>
@@ -848,7 +848,7 @@
     </p:spTree>
     <p:extLst>
       <p:ext uri="{BB962C8B-B14F-4D97-AF65-F5344CB8AC3E}">
-        <p14:creationId xmlns="" xmlns:p14="http://schemas.microsoft.com/office/powerpoint/2010/main" val="2097366919"/>
+        <p14:creationId xmlns:p14="http://schemas.microsoft.com/office/powerpoint/2010/main" xmlns="" val="2097366919"/>
       </p:ext>
     </p:extLst>
   </p:cSld>
@@ -1370,7 +1370,7 @@
     </p:spTree>
     <p:extLst>
       <p:ext uri="{BB962C8B-B14F-4D97-AF65-F5344CB8AC3E}">
-        <p14:creationId xmlns="" xmlns:p14="http://schemas.microsoft.com/office/powerpoint/2010/main" val="3537187278"/>
+        <p14:creationId xmlns:p14="http://schemas.microsoft.com/office/powerpoint/2010/main" xmlns="" val="3537187278"/>
       </p:ext>
     </p:extLst>
   </p:cSld>
@@ -1438,7 +1438,7 @@
     </p:spTree>
     <p:extLst>
       <p:ext uri="{BB962C8B-B14F-4D97-AF65-F5344CB8AC3E}">
-        <p14:creationId xmlns="" xmlns:p14="http://schemas.microsoft.com/office/powerpoint/2010/main" val="779007194"/>
+        <p14:creationId xmlns:p14="http://schemas.microsoft.com/office/powerpoint/2010/main" xmlns="" val="779007194"/>
       </p:ext>
     </p:extLst>
   </p:cSld>
@@ -1794,7 +1794,7 @@
           <a:lstStyle/>
           <a:p>
             <a:r>
-              <a:rPr lang="en-US" sz="2700" dirty="0" smtClean="0">
+              <a:rPr lang="en-US" sz="2700" dirty="0">
                 <a:solidFill>
                   <a:schemeClr val="bg1"/>
                 </a:solidFill>
@@ -1802,18 +1802,7 @@
                 <a:ea typeface="Roboto Thin" panose="02000000000000000000" pitchFamily="2" charset="0"/>
                 <a:cs typeface="Roboto Thin" panose="02000000000000000000" pitchFamily="2" charset="0"/>
               </a:rPr>
-              <a:t>React </a:t>
-            </a:r>
-            <a:r>
-              <a:rPr lang="en-US" sz="2700" dirty="0" smtClean="0">
-                <a:solidFill>
-                  <a:schemeClr val="bg1"/>
-                </a:solidFill>
-                <a:latin typeface="Roboto Thin" panose="02000000000000000000" pitchFamily="2" charset="0"/>
-                <a:ea typeface="Roboto Thin" panose="02000000000000000000" pitchFamily="2" charset="0"/>
-                <a:cs typeface="Roboto Thin" panose="02000000000000000000" pitchFamily="2" charset="0"/>
-              </a:rPr>
-              <a:t>JS</a:t>
+              <a:t>React JS</a:t>
             </a:r>
             <a:endParaRPr lang="en-US" dirty="0">
               <a:solidFill>
@@ -1826,241 +1815,6 @@
           </a:p>
         </p:txBody>
       </p:sp>
-      <p:sp>
-        <p:nvSpPr>
-          <p:cNvPr id="6" name="Subtitle 2"/>
-          <p:cNvSpPr txBox="1">
-            <a:spLocks/>
-          </p:cNvSpPr>
-          <p:nvPr/>
-        </p:nvSpPr>
-        <p:spPr>
-          <a:xfrm>
-            <a:off x="806449" y="1281006"/>
-            <a:ext cx="6322695" cy="507831"/>
-          </a:xfrm>
-          <a:prstGeom prst="rect">
-            <a:avLst/>
-          </a:prstGeom>
-        </p:spPr>
-        <p:txBody>
-          <a:bodyPr wrap="square">
-            <a:spAutoFit/>
-          </a:bodyPr>
-          <a:lstStyle>
-            <a:lvl1pPr marL="0" indent="0" algn="l" defTabSz="914400" rtl="0" eaLnBrk="1" latinLnBrk="0" hangingPunct="1">
-              <a:spcBef>
-                <a:spcPct val="20000"/>
-              </a:spcBef>
-              <a:buFont typeface="Arial" pitchFamily="34" charset="0"/>
-              <a:buNone/>
-              <a:defRPr sz="3200" kern="1200">
-                <a:solidFill>
-                  <a:schemeClr val="tx1">
-                    <a:tint val="75000"/>
-                  </a:schemeClr>
-                </a:solidFill>
-                <a:latin typeface="+mj-lt"/>
-                <a:ea typeface="+mn-ea"/>
-                <a:cs typeface="+mn-cs"/>
-              </a:defRPr>
-            </a:lvl1pPr>
-            <a:lvl2pPr marL="457200" indent="0" algn="ctr" defTabSz="914400" rtl="0" eaLnBrk="1" latinLnBrk="0" hangingPunct="1">
-              <a:spcBef>
-                <a:spcPct val="20000"/>
-              </a:spcBef>
-              <a:buFont typeface="Arial" pitchFamily="34" charset="0"/>
-              <a:buNone/>
-              <a:defRPr sz="2800" kern="1200">
-                <a:solidFill>
-                  <a:schemeClr val="tx1">
-                    <a:tint val="75000"/>
-                  </a:schemeClr>
-                </a:solidFill>
-                <a:latin typeface="+mn-lt"/>
-                <a:ea typeface="+mn-ea"/>
-                <a:cs typeface="+mn-cs"/>
-              </a:defRPr>
-            </a:lvl2pPr>
-            <a:lvl3pPr marL="914400" indent="0" algn="ctr" defTabSz="914400" rtl="0" eaLnBrk="1" latinLnBrk="0" hangingPunct="1">
-              <a:spcBef>
-                <a:spcPct val="20000"/>
-              </a:spcBef>
-              <a:buFont typeface="Arial" pitchFamily="34" charset="0"/>
-              <a:buNone/>
-              <a:defRPr sz="2400" kern="1200">
-                <a:solidFill>
-                  <a:schemeClr val="tx1">
-                    <a:tint val="75000"/>
-                  </a:schemeClr>
-                </a:solidFill>
-                <a:latin typeface="+mn-lt"/>
-                <a:ea typeface="+mn-ea"/>
-                <a:cs typeface="+mn-cs"/>
-              </a:defRPr>
-            </a:lvl3pPr>
-            <a:lvl4pPr marL="1371600" indent="0" algn="ctr" defTabSz="914400" rtl="0" eaLnBrk="1" latinLnBrk="0" hangingPunct="1">
-              <a:spcBef>
-                <a:spcPct val="20000"/>
-              </a:spcBef>
-              <a:buFont typeface="Arial" pitchFamily="34" charset="0"/>
-              <a:buNone/>
-              <a:defRPr sz="2000" kern="1200">
-                <a:solidFill>
-                  <a:schemeClr val="tx1">
-                    <a:tint val="75000"/>
-                  </a:schemeClr>
-                </a:solidFill>
-                <a:latin typeface="+mn-lt"/>
-                <a:ea typeface="+mn-ea"/>
-                <a:cs typeface="+mn-cs"/>
-              </a:defRPr>
-            </a:lvl4pPr>
-            <a:lvl5pPr marL="1828800" indent="0" algn="ctr" defTabSz="914400" rtl="0" eaLnBrk="1" latinLnBrk="0" hangingPunct="1">
-              <a:spcBef>
-                <a:spcPct val="20000"/>
-              </a:spcBef>
-              <a:buFont typeface="Arial" pitchFamily="34" charset="0"/>
-              <a:buNone/>
-              <a:defRPr sz="2000" kern="1200">
-                <a:solidFill>
-                  <a:schemeClr val="tx1">
-                    <a:tint val="75000"/>
-                  </a:schemeClr>
-                </a:solidFill>
-                <a:latin typeface="+mn-lt"/>
-                <a:ea typeface="+mn-ea"/>
-                <a:cs typeface="+mn-cs"/>
-              </a:defRPr>
-            </a:lvl5pPr>
-            <a:lvl6pPr marL="2286000" indent="0" algn="ctr" defTabSz="914400" rtl="0" eaLnBrk="1" latinLnBrk="0" hangingPunct="1">
-              <a:spcBef>
-                <a:spcPct val="20000"/>
-              </a:spcBef>
-              <a:buFont typeface="Arial" pitchFamily="34" charset="0"/>
-              <a:buNone/>
-              <a:defRPr sz="2000" kern="1200">
-                <a:solidFill>
-                  <a:schemeClr val="tx1">
-                    <a:tint val="75000"/>
-                  </a:schemeClr>
-                </a:solidFill>
-                <a:latin typeface="+mn-lt"/>
-                <a:ea typeface="+mn-ea"/>
-                <a:cs typeface="+mn-cs"/>
-              </a:defRPr>
-            </a:lvl6pPr>
-            <a:lvl7pPr marL="2743200" indent="0" algn="ctr" defTabSz="914400" rtl="0" eaLnBrk="1" latinLnBrk="0" hangingPunct="1">
-              <a:spcBef>
-                <a:spcPct val="20000"/>
-              </a:spcBef>
-              <a:buFont typeface="Arial" pitchFamily="34" charset="0"/>
-              <a:buNone/>
-              <a:defRPr sz="2000" kern="1200">
-                <a:solidFill>
-                  <a:schemeClr val="tx1">
-                    <a:tint val="75000"/>
-                  </a:schemeClr>
-                </a:solidFill>
-                <a:latin typeface="+mn-lt"/>
-                <a:ea typeface="+mn-ea"/>
-                <a:cs typeface="+mn-cs"/>
-              </a:defRPr>
-            </a:lvl7pPr>
-            <a:lvl8pPr marL="3200400" indent="0" algn="ctr" defTabSz="914400" rtl="0" eaLnBrk="1" latinLnBrk="0" hangingPunct="1">
-              <a:spcBef>
-                <a:spcPct val="20000"/>
-              </a:spcBef>
-              <a:buFont typeface="Arial" pitchFamily="34" charset="0"/>
-              <a:buNone/>
-              <a:defRPr sz="2000" kern="1200">
-                <a:solidFill>
-                  <a:schemeClr val="tx1">
-                    <a:tint val="75000"/>
-                  </a:schemeClr>
-                </a:solidFill>
-                <a:latin typeface="+mn-lt"/>
-                <a:ea typeface="+mn-ea"/>
-                <a:cs typeface="+mn-cs"/>
-              </a:defRPr>
-            </a:lvl8pPr>
-            <a:lvl9pPr marL="3657600" indent="0" algn="ctr" defTabSz="914400" rtl="0" eaLnBrk="1" latinLnBrk="0" hangingPunct="1">
-              <a:spcBef>
-                <a:spcPct val="20000"/>
-              </a:spcBef>
-              <a:buFont typeface="Arial" pitchFamily="34" charset="0"/>
-              <a:buNone/>
-              <a:defRPr sz="2000" kern="1200">
-                <a:solidFill>
-                  <a:schemeClr val="tx1">
-                    <a:tint val="75000"/>
-                  </a:schemeClr>
-                </a:solidFill>
-                <a:latin typeface="+mn-lt"/>
-                <a:ea typeface="+mn-ea"/>
-                <a:cs typeface="+mn-cs"/>
-              </a:defRPr>
-            </a:lvl9pPr>
-          </a:lstStyle>
-          <a:p>
-            <a:r>
-              <a:rPr lang="en-US" sz="2700" dirty="0">
-                <a:solidFill>
-                  <a:schemeClr val="tx1">
-                    <a:lumMod val="90000"/>
-                    <a:lumOff val="10000"/>
-                  </a:schemeClr>
-                </a:solidFill>
-                <a:latin typeface="Roboto Light" panose="02000000000000000000" pitchFamily="2" charset="0"/>
-                <a:ea typeface="Roboto Light" panose="02000000000000000000" pitchFamily="2" charset="0"/>
-                <a:cs typeface="Roboto Light" panose="02000000000000000000" pitchFamily="2" charset="0"/>
-              </a:rPr>
-              <a:t>The JavaScript Programming Language</a:t>
-            </a:r>
-          </a:p>
-        </p:txBody>
-      </p:sp>
-      <p:pic>
-        <p:nvPicPr>
-          <p:cNvPr id="1028" name="Picture 4" descr="C:\Users\Darick\Desktop\Mmww2.png"/>
-          <p:cNvPicPr>
-            <a:picLocks noChangeAspect="1" noChangeArrowheads="1"/>
-          </p:cNvPicPr>
-          <p:nvPr/>
-        </p:nvPicPr>
-        <p:blipFill>
-          <a:blip r:embed="rId2" cstate="print">
-            <a:extLst>
-              <a:ext uri="{28A0092B-C50C-407E-A947-70E740481C1C}">
-                <a14:useLocalDpi xmlns="" xmlns:a14="http://schemas.microsoft.com/office/drawing/2010/main" val="0"/>
-              </a:ext>
-            </a:extLst>
-          </a:blip>
-          <a:srcRect/>
-          <a:stretch>
-            <a:fillRect/>
-          </a:stretch>
-        </p:blipFill>
-        <p:spPr bwMode="auto">
-          <a:xfrm>
-            <a:off x="1" y="698501"/>
-            <a:ext cx="809625" cy="1079500"/>
-          </a:xfrm>
-          <a:prstGeom prst="rect">
-            <a:avLst/>
-          </a:prstGeom>
-          <a:noFill/>
-          <a:extLst>
-            <a:ext uri="{909E8E84-426E-40DD-AFC4-6F175D3DCCD1}">
-              <a14:hiddenFill xmlns="" xmlns:a14="http://schemas.microsoft.com/office/drawing/2010/main">
-                <a:solidFill>
-                  <a:srgbClr val="FFFFFF"/>
-                </a:solidFill>
-              </a14:hiddenFill>
-            </a:ext>
-          </a:extLst>
-        </p:spPr>
-      </p:pic>
       <p:sp>
         <p:nvSpPr>
           <p:cNvPr id="5" name="TextBox 4"/>
@@ -2084,21 +1838,50 @@
           <a:lstStyle/>
           <a:p>
             <a:r>
-              <a:rPr lang="en-US" sz="4400" dirty="0" err="1" smtClean="0">
+              <a:rPr lang="en-US" sz="4400" smtClean="0">
                 <a:solidFill>
                   <a:srgbClr val="7564BC"/>
                 </a:solidFill>
+                <a:latin typeface="Calibri" panose="020F0502020204030204" pitchFamily="34" charset="0"/>
               </a:rPr>
               <a:t>Redux</a:t>
             </a:r>
-            <a:endParaRPr lang="en-US" dirty="0"/>
+            <a:endParaRPr lang="en-US" dirty="0">
+              <a:latin typeface="Calibri" panose="020F0502020204030204" pitchFamily="34" charset="0"/>
+            </a:endParaRPr>
           </a:p>
         </p:txBody>
       </p:sp>
+      <p:pic>
+        <p:nvPicPr>
+          <p:cNvPr id="8" name="Picture 7" descr="http://moduscreate.com/wp-content/uploads/2014/03/react-opti.png"/>
+          <p:cNvPicPr>
+            <a:picLocks noChangeAspect="1" noChangeArrowheads="1"/>
+          </p:cNvPicPr>
+          <p:nvPr/>
+        </p:nvPicPr>
+        <p:blipFill>
+          <a:blip r:embed="rId2" cstate="print"/>
+          <a:srcRect/>
+          <a:stretch>
+            <a:fillRect/>
+          </a:stretch>
+        </p:blipFill>
+        <p:spPr bwMode="auto">
+          <a:xfrm>
+            <a:off x="976312" y="1556792"/>
+            <a:ext cx="3613398" cy="1005729"/>
+          </a:xfrm>
+          <a:prstGeom prst="rect">
+            <a:avLst/>
+          </a:prstGeom>
+          <a:noFill/>
+        </p:spPr>
+      </p:pic>
     </p:spTree>
     <p:extLst>
       <p:ext uri="{BB962C8B-B14F-4D97-AF65-F5344CB8AC3E}">
-        <p14:creationId xmlns="" xmlns:p14="http://schemas.microsoft.com/office/powerpoint/2010/main" val="3436223543"/>
+        <p14:creationId xmlns:p14="http://schemas.microsoft.com/office/powerpoint/2010/main" xmlns="" val="3436223543"/>
       </p:ext>
     </p:extLst>
   </p:cSld>
@@ -2213,19 +1996,7 @@
               <a:rPr lang="ru-RU" sz="2400" dirty="0" smtClean="0">
                 <a:latin typeface="Calibri" pitchFamily="34" charset="0"/>
               </a:rPr>
-              <a:t>— JavaScript-</a:t>
-            </a:r>
-            <a:r>
-              <a:rPr lang="ru-RU" sz="2400" dirty="0" smtClean="0">
-                <a:latin typeface="Calibri" pitchFamily="34" charset="0"/>
-              </a:rPr>
-              <a:t>библиотека </a:t>
-            </a:r>
-            <a:r>
-              <a:rPr lang="ru-RU" sz="2400" dirty="0" smtClean="0">
-                <a:latin typeface="Calibri" pitchFamily="34" charset="0"/>
-              </a:rPr>
-              <a:t>, которая выделяется </a:t>
+              <a:t>— JavaScript-библиотека , которая выделяется </a:t>
             </a:r>
             <a:r>
               <a:rPr lang="ru-RU" sz="2400" dirty="0">

--- a/ReactJS/lesson_26/Presentation/Redux.pptx
+++ b/ReactJS/lesson_26/Presentation/Redux.pptx
@@ -6,12 +6,12 @@
   </p:sldMasterIdLst>
   <p:sldIdLst>
     <p:sldId id="264" r:id="rId2"/>
-    <p:sldId id="258" r:id="rId3"/>
-    <p:sldId id="259" r:id="rId4"/>
-    <p:sldId id="260" r:id="rId5"/>
-    <p:sldId id="262" r:id="rId6"/>
-    <p:sldId id="263" r:id="rId7"/>
-    <p:sldId id="261" r:id="rId8"/>
+    <p:sldId id="261" r:id="rId3"/>
+    <p:sldId id="258" r:id="rId4"/>
+    <p:sldId id="259" r:id="rId5"/>
+    <p:sldId id="260" r:id="rId6"/>
+    <p:sldId id="262" r:id="rId7"/>
+    <p:sldId id="263" r:id="rId8"/>
   </p:sldIdLst>
   <p:sldSz cx="9144000" cy="6858000" type="screen4x3"/>
   <p:notesSz cx="6858000" cy="9144000"/>
@@ -110,6 +110,22 @@
       </a:defRPr>
     </a:lvl9pPr>
   </p:defaultTextStyle>
+  <p:extLst>
+    <p:ext uri="{EFAFB233-063F-42B5-8137-9DF3F51BA10A}">
+      <p15:sldGuideLst xmlns:p15="http://schemas.microsoft.com/office/powerpoint/2012/main">
+        <p15:guide id="1" orient="horz" pos="2160">
+          <p15:clr>
+            <a:srgbClr val="A4A3A4"/>
+          </p15:clr>
+        </p15:guide>
+        <p15:guide id="2" pos="2880">
+          <p15:clr>
+            <a:srgbClr val="A4A3A4"/>
+          </p15:clr>
+        </p15:guide>
+      </p15:sldGuideLst>
+    </p:ext>
+  </p:extLst>
 </p:presentation>
 </file>
 
@@ -168,10 +184,9 @@
           </a:lstStyle>
           <a:p>
             <a:r>
-              <a:rPr lang="en-US" dirty="0" smtClean="0"/>
+              <a:rPr lang="en-US" dirty="0"/>
               <a:t>title style</a:t>
             </a:r>
-            <a:endParaRPr lang="en-US" dirty="0"/>
           </a:p>
         </p:txBody>
       </p:sp>
@@ -291,7 +306,7 @@
           </a:lstStyle>
           <a:p>
             <a:r>
-              <a:rPr lang="ru-RU" smtClean="0"/>
+              <a:rPr lang="ru-RU"/>
               <a:t>Образец подзаголовка</a:t>
             </a:r>
             <a:endParaRPr lang="en-US" dirty="0"/>
@@ -620,20 +635,13 @@
     </p:spTree>
     <p:extLst>
       <p:ext uri="{BB962C8B-B14F-4D97-AF65-F5344CB8AC3E}">
-        <p14:creationId xmlns:p14="http://schemas.microsoft.com/office/powerpoint/2010/main" xmlns="" val="3537187278"/>
+        <p14:creationId xmlns:p14="http://schemas.microsoft.com/office/powerpoint/2010/main" val="3537187278"/>
       </p:ext>
     </p:extLst>
   </p:cSld>
   <p:clrMapOvr>
     <a:overrideClrMapping bg1="lt1" tx1="dk1" bg2="lt2" tx2="dk2" accent1="accent1" accent2="accent2" accent3="accent3" accent4="accent4" accent5="accent5" accent6="accent6" hlink="hlink" folHlink="folHlink"/>
   </p:clrMapOvr>
-  <p:timing>
-    <p:tnLst>
-      <p:par>
-        <p:cTn id="1" dur="indefinite" restart="never" nodeType="tmRoot"/>
-      </p:par>
-    </p:tnLst>
-  </p:timing>
 </p:sldLayout>
 </file>
 
@@ -666,7 +674,7 @@
           <a:blip r:embed="rId2" cstate="print">
             <a:extLst>
               <a:ext uri="{28A0092B-C50C-407E-A947-70E740481C1C}">
-                <a14:useLocalDpi xmlns:a14="http://schemas.microsoft.com/office/drawing/2010/main" xmlns="" val="0"/>
+                <a14:useLocalDpi xmlns:a14="http://schemas.microsoft.com/office/drawing/2010/main" val="0"/>
               </a:ext>
             </a:extLst>
           </a:blip>
@@ -690,14 +698,14 @@
           <a:effectLst/>
           <a:extLst>
             <a:ext uri="{909E8E84-426E-40DD-AFC4-6F175D3DCCD1}">
-              <a14:hiddenFill xmlns:a14="http://schemas.microsoft.com/office/drawing/2010/main" xmlns="">
+              <a14:hiddenFill xmlns:a14="http://schemas.microsoft.com/office/drawing/2010/main">
                 <a:solidFill>
                   <a:schemeClr val="accent1"/>
                 </a:solidFill>
               </a14:hiddenFill>
             </a:ext>
             <a:ext uri="{91240B29-F687-4F45-9708-019B960494DF}">
-              <a14:hiddenLine xmlns:a14="http://schemas.microsoft.com/office/drawing/2010/main" xmlns="" w="9525">
+              <a14:hiddenLine xmlns:a14="http://schemas.microsoft.com/office/drawing/2010/main" w="9525">
                 <a:solidFill>
                   <a:schemeClr val="tx1"/>
                 </a:solidFill>
@@ -707,7 +715,7 @@
               </a14:hiddenLine>
             </a:ext>
             <a:ext uri="{AF507438-7753-43E0-B8FC-AC1667EBCBE1}">
-              <a14:hiddenEffects xmlns:a14="http://schemas.microsoft.com/office/drawing/2010/main" xmlns="">
+              <a14:hiddenEffects xmlns:a14="http://schemas.microsoft.com/office/drawing/2010/main">
                 <a:effectLst>
                   <a:outerShdw dist="35921" dir="2700000" algn="ctr" rotWithShape="0">
                     <a:schemeClr val="bg2"/>
@@ -802,7 +810,7 @@
           </a:lstStyle>
           <a:p>
             <a:r>
-              <a:rPr lang="ru-RU" smtClean="0"/>
+              <a:rPr lang="ru-RU"/>
               <a:t>Образец заголовка</a:t>
             </a:r>
             <a:endParaRPr lang="en-US" dirty="0"/>
@@ -839,7 +847,7 @@
           <a:p>
             <a:pPr lvl="4"/>
             <a:r>
-              <a:rPr lang="en-US" dirty="0" smtClean="0"/>
+              <a:rPr lang="en-US" dirty="0"/>
               <a:t>Subtitle</a:t>
             </a:r>
           </a:p>
@@ -848,20 +856,13 @@
     </p:spTree>
     <p:extLst>
       <p:ext uri="{BB962C8B-B14F-4D97-AF65-F5344CB8AC3E}">
-        <p14:creationId xmlns:p14="http://schemas.microsoft.com/office/powerpoint/2010/main" xmlns="" val="2097366919"/>
+        <p14:creationId xmlns:p14="http://schemas.microsoft.com/office/powerpoint/2010/main" val="2097366919"/>
       </p:ext>
     </p:extLst>
   </p:cSld>
   <p:clrMapOvr>
     <a:masterClrMapping/>
   </p:clrMapOvr>
-  <p:timing>
-    <p:tnLst>
-      <p:par>
-        <p:cTn id="1" dur="indefinite" restart="never" nodeType="tmRoot"/>
-      </p:par>
-    </p:tnLst>
-  </p:timing>
 </p:sldLayout>
 </file>
 
@@ -1370,7 +1371,7 @@
     </p:spTree>
     <p:extLst>
       <p:ext uri="{BB962C8B-B14F-4D97-AF65-F5344CB8AC3E}">
-        <p14:creationId xmlns:p14="http://schemas.microsoft.com/office/powerpoint/2010/main" xmlns="" val="3537187278"/>
+        <p14:creationId xmlns:p14="http://schemas.microsoft.com/office/powerpoint/2010/main" val="3537187278"/>
       </p:ext>
     </p:extLst>
   </p:cSld>
@@ -1428,7 +1429,7 @@
           <a:lstStyle/>
           <a:p>
             <a:r>
-              <a:rPr lang="ru-RU" smtClean="0"/>
+              <a:rPr lang="ru-RU"/>
               <a:t>Образец заголовка</a:t>
             </a:r>
             <a:endParaRPr lang="en-US"/>
@@ -1438,7 +1439,7 @@
     </p:spTree>
     <p:extLst>
       <p:ext uri="{BB962C8B-B14F-4D97-AF65-F5344CB8AC3E}">
-        <p14:creationId xmlns:p14="http://schemas.microsoft.com/office/powerpoint/2010/main" xmlns="" val="779007194"/>
+        <p14:creationId xmlns:p14="http://schemas.microsoft.com/office/powerpoint/2010/main" val="779007194"/>
       </p:ext>
     </p:extLst>
   </p:cSld>
@@ -1448,13 +1449,6 @@
     <p:sldLayoutId id="2147483664" r:id="rId2"/>
     <p:sldLayoutId id="2147483665" r:id="rId3"/>
   </p:sldLayoutIdLst>
-  <p:timing>
-    <p:tnLst>
-      <p:par>
-        <p:cTn id="1" dur="indefinite" restart="never" nodeType="tmRoot"/>
-      </p:par>
-    </p:tnLst>
-  </p:timing>
   <p:txStyles>
     <p:titleStyle>
       <a:lvl1pPr algn="ctr" defTabSz="914400" rtl="0" eaLnBrk="1" latinLnBrk="0" hangingPunct="1">
@@ -1838,7 +1832,7 @@
           <a:lstStyle/>
           <a:p>
             <a:r>
-              <a:rPr lang="en-US" sz="4400" smtClean="0">
+              <a:rPr lang="en-US" sz="4400" dirty="0">
                 <a:solidFill>
                   <a:srgbClr val="7564BC"/>
                 </a:solidFill>
@@ -1881,7 +1875,7 @@
     </p:spTree>
     <p:extLst>
       <p:ext uri="{BB962C8B-B14F-4D97-AF65-F5344CB8AC3E}">
-        <p14:creationId xmlns:p14="http://schemas.microsoft.com/office/powerpoint/2010/main" xmlns="" val="3436223543"/>
+        <p14:creationId xmlns:p14="http://schemas.microsoft.com/office/powerpoint/2010/main" val="3436223543"/>
       </p:ext>
     </p:extLst>
   </p:cSld>
@@ -1924,7 +1918,85 @@
           <a:lstStyle/>
           <a:p>
             <a:r>
-              <a:rPr lang="en-US" dirty="0" err="1" smtClean="0"/>
+              <a:rPr lang="ru-RU" dirty="0"/>
+              <a:t>Структура </a:t>
+            </a:r>
+            <a:r>
+              <a:rPr lang="en-US" dirty="0" err="1"/>
+              <a:t>Redux</a:t>
+            </a:r>
+            <a:endParaRPr lang="uk-UA" dirty="0"/>
+          </a:p>
+        </p:txBody>
+      </p:sp>
+      <p:pic>
+        <p:nvPicPr>
+          <p:cNvPr id="6146" name="Picture 2" descr="https://media.licdn.com/mpr/mpr/shrinknp_800_800/AAEAAQAAAAAAAAUQAAAAJDAyMWU1MmZhLTYzMTQtNDJkNy1hYzM4LTE5MWQzNWM1ODcyNA.png"/>
+          <p:cNvPicPr>
+            <a:picLocks noChangeAspect="1" noChangeArrowheads="1"/>
+          </p:cNvPicPr>
+          <p:nvPr/>
+        </p:nvPicPr>
+        <p:blipFill>
+          <a:blip r:embed="rId2" cstate="print"/>
+          <a:srcRect/>
+          <a:stretch>
+            <a:fillRect/>
+          </a:stretch>
+        </p:blipFill>
+        <p:spPr bwMode="auto">
+          <a:xfrm>
+            <a:off x="827584" y="1340768"/>
+            <a:ext cx="7620000" cy="5086350"/>
+          </a:xfrm>
+          <a:prstGeom prst="rect">
+            <a:avLst/>
+          </a:prstGeom>
+          <a:noFill/>
+        </p:spPr>
+      </p:pic>
+    </p:spTree>
+  </p:cSld>
+  <p:clrMapOvr>
+    <a:masterClrMapping/>
+  </p:clrMapOvr>
+</p:sld>
+</file>
+
+<file path=ppt/slides/slide3.xml><?xml version="1.0" encoding="utf-8"?>
+<p:sld xmlns:a="http://schemas.openxmlformats.org/drawingml/2006/main" xmlns:r="http://schemas.openxmlformats.org/officeDocument/2006/relationships" xmlns:p="http://schemas.openxmlformats.org/presentationml/2006/main">
+  <p:cSld>
+    <p:spTree>
+      <p:nvGrpSpPr>
+        <p:cNvPr id="1" name=""/>
+        <p:cNvGrpSpPr/>
+        <p:nvPr/>
+      </p:nvGrpSpPr>
+      <p:grpSpPr>
+        <a:xfrm>
+          <a:off x="0" y="0"/>
+          <a:ext cx="0" cy="0"/>
+          <a:chOff x="0" y="0"/>
+          <a:chExt cx="0" cy="0"/>
+        </a:xfrm>
+      </p:grpSpPr>
+      <p:sp>
+        <p:nvSpPr>
+          <p:cNvPr id="7" name="Заголовок 6"/>
+          <p:cNvSpPr>
+            <a:spLocks noGrp="1"/>
+          </p:cNvSpPr>
+          <p:nvPr>
+            <p:ph type="title"/>
+          </p:nvPr>
+        </p:nvSpPr>
+        <p:spPr/>
+        <p:txBody>
+          <a:bodyPr/>
+          <a:lstStyle/>
+          <a:p>
+            <a:r>
+              <a:rPr lang="en-US" dirty="0" err="1"/>
               <a:t>Redux</a:t>
             </a:r>
             <a:endParaRPr lang="uk-UA" dirty="0"/>
@@ -1966,7 +2038,7 @@
         <p:spPr>
           <a:xfrm>
             <a:off x="899592" y="2852936"/>
-            <a:ext cx="7920880" cy="2677656"/>
+            <a:ext cx="7920880" cy="1754326"/>
           </a:xfrm>
           <a:prstGeom prst="rect">
             <a:avLst/>
@@ -1980,385 +2052,36 @@
           <a:lstStyle/>
           <a:p>
             <a:r>
-              <a:rPr lang="ru-RU" sz="2400" dirty="0" err="1" smtClean="0">
+              <a:rPr lang="ru-RU" dirty="0" err="1">
                 <a:latin typeface="Calibri" pitchFamily="34" charset="0"/>
                 <a:hlinkClick r:id="rId3"/>
               </a:rPr>
               <a:t>Redux</a:t>
             </a:r>
             <a:r>
-              <a:rPr lang="ru-RU" sz="2400" dirty="0">
-                <a:latin typeface="Calibri" pitchFamily="34" charset="0"/>
-              </a:rPr>
-              <a:t> </a:t>
-            </a:r>
-            <a:r>
-              <a:rPr lang="ru-RU" sz="2400" dirty="0" smtClean="0">
-                <a:latin typeface="Calibri" pitchFamily="34" charset="0"/>
-              </a:rPr>
-              <a:t>— JavaScript-библиотека , которая выделяется </a:t>
-            </a:r>
-            <a:r>
-              <a:rPr lang="ru-RU" sz="2400" dirty="0">
-                <a:latin typeface="Calibri" pitchFamily="34" charset="0"/>
-              </a:rPr>
-              <a:t>из сотни библиотек и </a:t>
-            </a:r>
-            <a:r>
-              <a:rPr lang="ru-RU" sz="2400" dirty="0" err="1">
+              <a:rPr lang="ru-RU" dirty="0">
+                <a:latin typeface="Calibri" pitchFamily="34" charset="0"/>
+              </a:rPr>
+              <a:t> — JavaScript-библиотека , которая выделяется из сотни библиотек и </a:t>
+            </a:r>
+            <a:r>
+              <a:rPr lang="ru-RU" dirty="0" err="1">
                 <a:latin typeface="Calibri" pitchFamily="34" charset="0"/>
               </a:rPr>
               <a:t>фреймворков</a:t>
             </a:r>
             <a:r>
-              <a:rPr lang="ru-RU" sz="2400" dirty="0">
+              <a:rPr lang="ru-RU" dirty="0">
                 <a:latin typeface="Calibri" pitchFamily="34" charset="0"/>
               </a:rPr>
               <a:t> тем, что грамотно решает множество разных вопросов путем введения простой и предсказуемой модели состояний, уклоне на функциональное программирование и неизменяемые данные, предоставления компактного API. </a:t>
             </a:r>
-            <a:endParaRPr lang="en-US" sz="2400" dirty="0" smtClean="0">
+            <a:endParaRPr lang="en-US" dirty="0">
               <a:latin typeface="Calibri" pitchFamily="34" charset="0"/>
             </a:endParaRPr>
           </a:p>
           <a:p>
-            <a:endParaRPr lang="uk-UA" sz="2400" dirty="0">
-              <a:latin typeface="Calibri" pitchFamily="34" charset="0"/>
-            </a:endParaRPr>
-          </a:p>
-        </p:txBody>
-      </p:sp>
-    </p:spTree>
-  </p:cSld>
-  <p:clrMapOvr>
-    <a:masterClrMapping/>
-  </p:clrMapOvr>
-</p:sld>
-</file>
-
-<file path=ppt/slides/slide3.xml><?xml version="1.0" encoding="utf-8"?>
-<p:sld xmlns:a="http://schemas.openxmlformats.org/drawingml/2006/main" xmlns:r="http://schemas.openxmlformats.org/officeDocument/2006/relationships" xmlns:p="http://schemas.openxmlformats.org/presentationml/2006/main">
-  <p:cSld>
-    <p:spTree>
-      <p:nvGrpSpPr>
-        <p:cNvPr id="1" name=""/>
-        <p:cNvGrpSpPr/>
-        <p:nvPr/>
-      </p:nvGrpSpPr>
-      <p:grpSpPr>
-        <a:xfrm>
-          <a:off x="0" y="0"/>
-          <a:ext cx="0" cy="0"/>
-          <a:chOff x="0" y="0"/>
-          <a:chExt cx="0" cy="0"/>
-        </a:xfrm>
-      </p:grpSpPr>
-      <p:sp>
-        <p:nvSpPr>
-          <p:cNvPr id="7" name="Заголовок 6"/>
-          <p:cNvSpPr>
-            <a:spLocks noGrp="1"/>
-          </p:cNvSpPr>
-          <p:nvPr>
-            <p:ph type="title"/>
-          </p:nvPr>
-        </p:nvSpPr>
-        <p:spPr/>
-        <p:txBody>
-          <a:bodyPr/>
-          <a:lstStyle/>
-          <a:p>
-            <a:r>
-              <a:rPr lang="ru-RU" dirty="0" smtClean="0"/>
-              <a:t>Три принципа </a:t>
-            </a:r>
-            <a:r>
-              <a:rPr lang="en-US" dirty="0" err="1" smtClean="0"/>
-              <a:t>Redux</a:t>
-            </a:r>
-            <a:endParaRPr lang="uk-UA" dirty="0"/>
-          </a:p>
-        </p:txBody>
-      </p:sp>
-      <p:sp>
-        <p:nvSpPr>
-          <p:cNvPr id="3" name="TextBox 2"/>
-          <p:cNvSpPr txBox="1"/>
-          <p:nvPr/>
-        </p:nvSpPr>
-        <p:spPr>
-          <a:xfrm>
-            <a:off x="539552" y="1318022"/>
-            <a:ext cx="7920880" cy="4708981"/>
-          </a:xfrm>
-          <a:prstGeom prst="rect">
-            <a:avLst/>
-          </a:prstGeom>
-          <a:noFill/>
-        </p:spPr>
-        <p:txBody>
-          <a:bodyPr wrap="square" rtlCol="0">
-            <a:spAutoFit/>
-          </a:bodyPr>
-          <a:lstStyle/>
-          <a:p>
-            <a:r>
-              <a:rPr lang="ru-RU" sz="2000" dirty="0" err="1">
-                <a:latin typeface="Calibri" pitchFamily="34" charset="0"/>
-              </a:rPr>
-              <a:t>Redux</a:t>
-            </a:r>
-            <a:r>
-              <a:rPr lang="ru-RU" sz="2000" dirty="0">
-                <a:latin typeface="Calibri" pitchFamily="34" charset="0"/>
-              </a:rPr>
-              <a:t> может быть описан тремя фундаментальными принципами</a:t>
-            </a:r>
-            <a:r>
-              <a:rPr lang="ru-RU" sz="2000" dirty="0" smtClean="0">
-                <a:latin typeface="Calibri" pitchFamily="34" charset="0"/>
-              </a:rPr>
-              <a:t>:</a:t>
-            </a:r>
-            <a:r>
-              <a:rPr lang="en-US" sz="2000" dirty="0" smtClean="0">
-                <a:latin typeface="Calibri" pitchFamily="34" charset="0"/>
-              </a:rPr>
-              <a:t> </a:t>
-            </a:r>
-          </a:p>
-          <a:p>
-            <a:endParaRPr lang="en-US" sz="2000" dirty="0">
-              <a:latin typeface="Calibri" pitchFamily="34" charset="0"/>
-            </a:endParaRPr>
-          </a:p>
-          <a:p>
-            <a:pPr>
-              <a:buFont typeface="Arial" pitchFamily="34" charset="0"/>
-              <a:buChar char="•"/>
-            </a:pPr>
-            <a:r>
-              <a:rPr lang="en-US" sz="2000" b="1" dirty="0" smtClean="0">
-                <a:latin typeface="Calibri" pitchFamily="34" charset="0"/>
-              </a:rPr>
-              <a:t> </a:t>
-            </a:r>
-            <a:r>
-              <a:rPr lang="uk-UA" sz="2000" b="1" dirty="0" smtClean="0">
-                <a:latin typeface="Calibri" pitchFamily="34" charset="0"/>
-              </a:rPr>
-              <a:t>Единственный </a:t>
-            </a:r>
-            <a:r>
-              <a:rPr lang="uk-UA" sz="2000" b="1" dirty="0" err="1">
-                <a:latin typeface="Calibri" pitchFamily="34" charset="0"/>
-              </a:rPr>
-              <a:t>источник</a:t>
-            </a:r>
-            <a:r>
-              <a:rPr lang="uk-UA" sz="2000" b="1" dirty="0">
-                <a:latin typeface="Calibri" pitchFamily="34" charset="0"/>
-              </a:rPr>
-              <a:t> </a:t>
-            </a:r>
-            <a:r>
-              <a:rPr lang="uk-UA" sz="2000" b="1" dirty="0" err="1" smtClean="0">
-                <a:latin typeface="Calibri" pitchFamily="34" charset="0"/>
-              </a:rPr>
-              <a:t>правды</a:t>
-            </a:r>
-            <a:r>
-              <a:rPr lang="en-US" sz="2000" b="1" dirty="0" smtClean="0">
-                <a:latin typeface="Calibri" pitchFamily="34" charset="0"/>
-              </a:rPr>
-              <a:t>: </a:t>
-            </a:r>
-            <a:r>
-              <a:rPr lang="ru-RU" sz="2000" dirty="0" smtClean="0">
-                <a:latin typeface="Calibri" pitchFamily="34" charset="0"/>
-              </a:rPr>
-              <a:t>Состояние всего вашего приложения сохранено в дереве объектов внутри одного хранилища.</a:t>
-            </a:r>
-            <a:r>
-              <a:rPr lang="en-US" sz="2000" dirty="0" smtClean="0">
-                <a:latin typeface="Calibri" pitchFamily="34" charset="0"/>
-              </a:rPr>
-              <a:t> </a:t>
-            </a:r>
-          </a:p>
-          <a:p>
-            <a:pPr>
-              <a:buFont typeface="Arial" pitchFamily="34" charset="0"/>
-              <a:buChar char="•"/>
-            </a:pPr>
-            <a:endParaRPr lang="en-US" sz="2000" dirty="0">
-              <a:latin typeface="Calibri" pitchFamily="34" charset="0"/>
-            </a:endParaRPr>
-          </a:p>
-          <a:p>
-            <a:pPr>
-              <a:buFont typeface="Arial" pitchFamily="34" charset="0"/>
-              <a:buChar char="•"/>
-            </a:pPr>
-            <a:r>
-              <a:rPr lang="en-US" sz="2000" b="1" dirty="0" smtClean="0">
-                <a:latin typeface="Calibri" pitchFamily="34" charset="0"/>
-              </a:rPr>
-              <a:t> </a:t>
-            </a:r>
-            <a:r>
-              <a:rPr lang="uk-UA" sz="2000" b="1" dirty="0" err="1" smtClean="0">
-                <a:latin typeface="Calibri" pitchFamily="34" charset="0"/>
-              </a:rPr>
-              <a:t>Состояние</a:t>
-            </a:r>
-            <a:r>
-              <a:rPr lang="uk-UA" sz="2000" b="1" dirty="0" smtClean="0">
-                <a:latin typeface="Calibri" pitchFamily="34" charset="0"/>
-              </a:rPr>
-              <a:t> </a:t>
-            </a:r>
-            <a:r>
-              <a:rPr lang="uk-UA" sz="2000" b="1" dirty="0" err="1">
-                <a:latin typeface="Calibri" pitchFamily="34" charset="0"/>
-              </a:rPr>
-              <a:t>только</a:t>
-            </a:r>
-            <a:r>
-              <a:rPr lang="uk-UA" sz="2000" b="1" dirty="0">
-                <a:latin typeface="Calibri" pitchFamily="34" charset="0"/>
-              </a:rPr>
-              <a:t> для </a:t>
-            </a:r>
-            <a:r>
-              <a:rPr lang="uk-UA" sz="2000" b="1" dirty="0" err="1" smtClean="0">
-                <a:latin typeface="Calibri" pitchFamily="34" charset="0"/>
-              </a:rPr>
-              <a:t>чтения</a:t>
-            </a:r>
-            <a:r>
-              <a:rPr lang="en-US" sz="2000" b="1" dirty="0" smtClean="0">
-                <a:latin typeface="Calibri" pitchFamily="34" charset="0"/>
-              </a:rPr>
-              <a:t>: </a:t>
-            </a:r>
-            <a:r>
-              <a:rPr lang="ru-RU" sz="2000" dirty="0" smtClean="0">
-                <a:latin typeface="Calibri" pitchFamily="34" charset="0"/>
-              </a:rPr>
-              <a:t>Единственный способ изменить состояние - это применить действие - объект, который описывает, что случится.</a:t>
-            </a:r>
-            <a:r>
-              <a:rPr lang="en-US" sz="2000" dirty="0" smtClean="0">
-                <a:latin typeface="Calibri" pitchFamily="34" charset="0"/>
-              </a:rPr>
-              <a:t> </a:t>
-            </a:r>
-          </a:p>
-          <a:p>
-            <a:pPr>
-              <a:buFont typeface="Arial" pitchFamily="34" charset="0"/>
-              <a:buChar char="•"/>
-            </a:pPr>
-            <a:endParaRPr lang="en-US" sz="2000" dirty="0">
-              <a:latin typeface="Calibri" pitchFamily="34" charset="0"/>
-            </a:endParaRPr>
-          </a:p>
-          <a:p>
-            <a:pPr>
-              <a:buFont typeface="Arial" pitchFamily="34" charset="0"/>
-              <a:buChar char="•"/>
-            </a:pPr>
-            <a:r>
-              <a:rPr lang="en-US" sz="2000" b="1" dirty="0" smtClean="0">
-                <a:latin typeface="Calibri" pitchFamily="34" charset="0"/>
-              </a:rPr>
-              <a:t> </a:t>
-            </a:r>
-            <a:r>
-              <a:rPr lang="ru-RU" sz="2000" b="1" dirty="0" smtClean="0">
-                <a:latin typeface="Calibri" pitchFamily="34" charset="0"/>
-              </a:rPr>
-              <a:t>Изменение состояния с помощью простых функций</a:t>
-            </a:r>
-            <a:r>
-              <a:rPr lang="en-US" sz="2000" b="1" dirty="0" smtClean="0">
-                <a:latin typeface="Calibri" pitchFamily="34" charset="0"/>
-              </a:rPr>
-              <a:t>: </a:t>
-            </a:r>
-            <a:r>
-              <a:rPr lang="ru-RU" sz="2000" dirty="0">
-                <a:latin typeface="Calibri" pitchFamily="34" charset="0"/>
-              </a:rPr>
-              <a:t>Для определения того, как дерево состояния будет трансформировано действиями, </a:t>
-            </a:r>
-            <a:r>
-              <a:rPr lang="ru-RU" sz="2000" dirty="0" smtClean="0">
-                <a:latin typeface="Calibri" pitchFamily="34" charset="0"/>
-              </a:rPr>
-              <a:t>следует писать </a:t>
-            </a:r>
-            <a:r>
-              <a:rPr lang="ru-RU" sz="2000" dirty="0">
-                <a:latin typeface="Calibri" pitchFamily="34" charset="0"/>
-              </a:rPr>
-              <a:t>чистые </a:t>
-            </a:r>
-            <a:r>
-              <a:rPr lang="ru-RU" sz="2000" dirty="0" err="1">
-                <a:latin typeface="Calibri" pitchFamily="34" charset="0"/>
-              </a:rPr>
-              <a:t>редюсеры</a:t>
-            </a:r>
-            <a:r>
-              <a:rPr lang="ru-RU" sz="2000" dirty="0" smtClean="0">
-                <a:latin typeface="Calibri" pitchFamily="34" charset="0"/>
-              </a:rPr>
-              <a:t>.</a:t>
-            </a:r>
-            <a:r>
-              <a:rPr lang="en-US" sz="2000" dirty="0" smtClean="0">
-                <a:latin typeface="Calibri" pitchFamily="34" charset="0"/>
-              </a:rPr>
-              <a:t> </a:t>
-            </a:r>
-            <a:r>
-              <a:rPr lang="ru-RU" sz="2000" b="1" dirty="0" err="1" smtClean="0">
-                <a:latin typeface="Calibri" pitchFamily="34" charset="0"/>
-              </a:rPr>
-              <a:t>Редюсеры</a:t>
-            </a:r>
-            <a:r>
-              <a:rPr lang="ru-RU" sz="2000" dirty="0" smtClean="0">
-                <a:latin typeface="Calibri" pitchFamily="34" charset="0"/>
-              </a:rPr>
-              <a:t> </a:t>
-            </a:r>
-            <a:r>
-              <a:rPr lang="ru-RU" sz="2000" dirty="0">
-                <a:latin typeface="Calibri" pitchFamily="34" charset="0"/>
-              </a:rPr>
-              <a:t>- это просто чистые функции, которые берут предыдущее состояние и действие и возвращают новое состояние. </a:t>
-            </a:r>
-            <a:r>
-              <a:rPr lang="ru-RU" sz="2000" dirty="0" smtClean="0">
-                <a:latin typeface="Calibri" pitchFamily="34" charset="0"/>
-              </a:rPr>
-              <a:t>Не </a:t>
-            </a:r>
-            <a:r>
-              <a:rPr lang="ru-RU" sz="2000" dirty="0">
-                <a:latin typeface="Calibri" pitchFamily="34" charset="0"/>
-              </a:rPr>
-              <a:t>забывайте возвращать новый объект состояния, вместо того, чтобы изменять предыдущее</a:t>
-            </a:r>
-            <a:r>
-              <a:rPr lang="ru-RU" sz="2000" dirty="0" smtClean="0">
-                <a:latin typeface="Calibri" pitchFamily="34" charset="0"/>
-              </a:rPr>
-              <a:t>. </a:t>
-            </a:r>
-            <a:endParaRPr lang="ru-RU" sz="2000" dirty="0">
+            <a:endParaRPr lang="uk-UA" dirty="0">
               <a:latin typeface="Calibri" pitchFamily="34" charset="0"/>
             </a:endParaRPr>
           </a:p>
@@ -2405,16 +2128,12 @@
           <a:lstStyle/>
           <a:p>
             <a:r>
-              <a:rPr lang="ru-RU" dirty="0" smtClean="0"/>
-              <a:t>Компоненты </a:t>
-            </a:r>
-            <a:r>
-              <a:rPr lang="en-US" dirty="0" err="1" smtClean="0"/>
-              <a:t>redux</a:t>
-            </a:r>
-            <a:r>
-              <a:rPr lang="en-US" dirty="0" smtClean="0"/>
-              <a:t>: actions</a:t>
+              <a:rPr lang="ru-RU" dirty="0"/>
+              <a:t>Три принципа </a:t>
+            </a:r>
+            <a:r>
+              <a:rPr lang="en-US" dirty="0" err="1"/>
+              <a:t>Redux</a:t>
             </a:r>
             <a:endParaRPr lang="uk-UA" dirty="0"/>
           </a:p>
@@ -2422,14 +2141,14 @@
       </p:sp>
       <p:sp>
         <p:nvSpPr>
-          <p:cNvPr id="4" name="TextBox 3"/>
+          <p:cNvPr id="3" name="TextBox 2"/>
           <p:cNvSpPr txBox="1"/>
           <p:nvPr/>
         </p:nvSpPr>
         <p:spPr>
           <a:xfrm>
-            <a:off x="683568" y="1700808"/>
-            <a:ext cx="7848872" cy="4893647"/>
+            <a:off x="539552" y="1318022"/>
+            <a:ext cx="7920880" cy="3970318"/>
           </a:xfrm>
           <a:prstGeom prst="rect">
             <a:avLst/>
@@ -2443,132 +2162,214 @@
           <a:lstStyle/>
           <a:p>
             <a:r>
-              <a:rPr lang="ru-RU" sz="2400" b="1" dirty="0" smtClean="0">
-                <a:latin typeface="Calibri" pitchFamily="34" charset="0"/>
-              </a:rPr>
-              <a:t>Действия</a:t>
-            </a:r>
-            <a:r>
-              <a:rPr lang="en-US" sz="2400" b="1" dirty="0" smtClean="0">
-                <a:latin typeface="Calibri" pitchFamily="34" charset="0"/>
-              </a:rPr>
-              <a:t>(actions)</a:t>
-            </a:r>
-            <a:r>
-              <a:rPr lang="ru-RU" sz="2400" dirty="0">
-                <a:latin typeface="Calibri" pitchFamily="34" charset="0"/>
-              </a:rPr>
-              <a:t> - это структура, которая передает данные из вашего приложения в хранилище. Они </a:t>
-            </a:r>
-            <a:r>
-              <a:rPr lang="ru-RU" sz="2400" dirty="0" smtClean="0">
-                <a:latin typeface="Calibri" pitchFamily="34" charset="0"/>
-              </a:rPr>
-              <a:t>являются</a:t>
-            </a:r>
-            <a:r>
-              <a:rPr lang="en-US" sz="2400" dirty="0" smtClean="0">
+              <a:rPr lang="ru-RU" dirty="0" err="1">
+                <a:latin typeface="Calibri" pitchFamily="34" charset="0"/>
+              </a:rPr>
+              <a:t>Redux</a:t>
+            </a:r>
+            <a:r>
+              <a:rPr lang="ru-RU" dirty="0">
+                <a:latin typeface="Calibri" pitchFamily="34" charset="0"/>
+              </a:rPr>
+              <a:t> может быть описан тремя фундаментальными принципами:</a:t>
+            </a:r>
+            <a:r>
+              <a:rPr lang="en-US" dirty="0">
                 <a:latin typeface="Calibri" pitchFamily="34" charset="0"/>
               </a:rPr>
               <a:t> </a:t>
             </a:r>
-            <a:r>
-              <a:rPr lang="ru-RU" sz="2400" i="1" dirty="0" smtClean="0">
-                <a:latin typeface="Calibri" pitchFamily="34" charset="0"/>
-              </a:rPr>
-              <a:t>единственными</a:t>
-            </a:r>
-            <a:r>
-              <a:rPr lang="ru-RU" sz="2400" dirty="0">
-                <a:latin typeface="Calibri" pitchFamily="34" charset="0"/>
-              </a:rPr>
-              <a:t> источниками информации для хранилища. Вы отправляете их в хранилище используя </a:t>
-            </a:r>
-            <a:r>
-              <a:rPr lang="ru-RU" sz="2400" dirty="0" smtClean="0">
-                <a:latin typeface="Calibri" pitchFamily="34" charset="0"/>
-              </a:rPr>
-              <a:t>метод</a:t>
-            </a:r>
-            <a:r>
-              <a:rPr lang="en-US" sz="2400" dirty="0" smtClean="0">
-                <a:latin typeface="Calibri" pitchFamily="34" charset="0"/>
-              </a:rPr>
-              <a:t> </a:t>
-            </a:r>
-            <a:r>
-              <a:rPr lang="ru-RU" sz="2400" dirty="0" err="1" smtClean="0">
-                <a:latin typeface="Calibri" pitchFamily="34" charset="0"/>
-              </a:rPr>
-              <a:t>store.dispatch</a:t>
-            </a:r>
-            <a:r>
-              <a:rPr lang="ru-RU" sz="2400" dirty="0" smtClean="0">
-                <a:latin typeface="Calibri" pitchFamily="34" charset="0"/>
-              </a:rPr>
-              <a:t>().</a:t>
-            </a:r>
-            <a:r>
-              <a:rPr lang="en-US" sz="2400" dirty="0" smtClean="0">
-                <a:latin typeface="Calibri" pitchFamily="34" charset="0"/>
-              </a:rPr>
-              <a:t> </a:t>
-            </a:r>
-          </a:p>
-          <a:p>
-            <a:endParaRPr lang="en-US" sz="2400" dirty="0">
+          </a:p>
+          <a:p>
+            <a:endParaRPr lang="en-US" dirty="0">
               <a:latin typeface="Calibri" pitchFamily="34" charset="0"/>
             </a:endParaRPr>
           </a:p>
           <a:p>
-            <a:r>
-              <a:rPr lang="ru-RU" sz="2400" dirty="0">
-                <a:latin typeface="Calibri" pitchFamily="34" charset="0"/>
-              </a:rPr>
-              <a:t>Действия - это обычные </a:t>
-            </a:r>
-            <a:r>
-              <a:rPr lang="ru-RU" sz="2400" dirty="0" err="1">
-                <a:latin typeface="Calibri" pitchFamily="34" charset="0"/>
-              </a:rPr>
-              <a:t>JavaScript</a:t>
-            </a:r>
-            <a:r>
-              <a:rPr lang="ru-RU" sz="2400" dirty="0">
-                <a:latin typeface="Calibri" pitchFamily="34" charset="0"/>
-              </a:rPr>
-              <a:t> объекты. Действия должны иметь поле </a:t>
-            </a:r>
-            <a:r>
-              <a:rPr lang="ru-RU" sz="2400" dirty="0" err="1" smtClean="0">
-                <a:latin typeface="Calibri" pitchFamily="34" charset="0"/>
-              </a:rPr>
-              <a:t>type</a:t>
-            </a:r>
-            <a:r>
-              <a:rPr lang="ru-RU" sz="2400" dirty="0">
-                <a:latin typeface="Calibri" pitchFamily="34" charset="0"/>
-              </a:rPr>
-              <a:t>, которое указывает на тип исполняемого действия. Типы должны, как правило, определяться как строковые константы. </a:t>
-            </a:r>
-            <a:endParaRPr lang="en-US" sz="2400" dirty="0" smtClean="0">
+            <a:pPr>
+              <a:buFont typeface="Arial" pitchFamily="34" charset="0"/>
+              <a:buChar char="•"/>
+            </a:pPr>
+            <a:r>
+              <a:rPr lang="en-US" b="1" dirty="0">
+                <a:latin typeface="Calibri" pitchFamily="34" charset="0"/>
+              </a:rPr>
+              <a:t> </a:t>
+            </a:r>
+            <a:r>
+              <a:rPr lang="uk-UA" b="1" dirty="0" err="1">
+                <a:latin typeface="Calibri" pitchFamily="34" charset="0"/>
+              </a:rPr>
+              <a:t>Единственный</a:t>
+            </a:r>
+            <a:r>
+              <a:rPr lang="uk-UA" b="1" dirty="0">
+                <a:latin typeface="Calibri" pitchFamily="34" charset="0"/>
+              </a:rPr>
+              <a:t> </a:t>
+            </a:r>
+            <a:r>
+              <a:rPr lang="uk-UA" b="1" dirty="0" err="1">
+                <a:latin typeface="Calibri" pitchFamily="34" charset="0"/>
+              </a:rPr>
+              <a:t>источник</a:t>
+            </a:r>
+            <a:r>
+              <a:rPr lang="en-US" b="1" dirty="0">
+                <a:latin typeface="Calibri" pitchFamily="34" charset="0"/>
+              </a:rPr>
+              <a:t>: </a:t>
+            </a:r>
+            <a:r>
+              <a:rPr lang="ru-RU" dirty="0">
+                <a:latin typeface="Calibri" pitchFamily="34" charset="0"/>
+              </a:rPr>
+              <a:t>Состояние всего вашего приложения сохранено в дереве объектов внутри одного хранилища.</a:t>
+            </a:r>
+            <a:r>
+              <a:rPr lang="en-US" dirty="0">
+                <a:latin typeface="Calibri" pitchFamily="34" charset="0"/>
+              </a:rPr>
+              <a:t> </a:t>
+            </a:r>
+          </a:p>
+          <a:p>
+            <a:pPr>
+              <a:buFont typeface="Arial" pitchFamily="34" charset="0"/>
+              <a:buChar char="•"/>
+            </a:pPr>
+            <a:endParaRPr lang="en-US" dirty="0">
               <a:latin typeface="Calibri" pitchFamily="34" charset="0"/>
             </a:endParaRPr>
           </a:p>
           <a:p>
-            <a:endParaRPr lang="en-US" sz="2400" dirty="0">
+            <a:pPr>
+              <a:buFont typeface="Arial" pitchFamily="34" charset="0"/>
+              <a:buChar char="•"/>
+            </a:pPr>
+            <a:r>
+              <a:rPr lang="en-US" b="1" dirty="0">
+                <a:latin typeface="Calibri" pitchFamily="34" charset="0"/>
+              </a:rPr>
+              <a:t> </a:t>
+            </a:r>
+            <a:r>
+              <a:rPr lang="uk-UA" b="1" dirty="0" err="1">
+                <a:latin typeface="Calibri" pitchFamily="34" charset="0"/>
+              </a:rPr>
+              <a:t>Состояние</a:t>
+            </a:r>
+            <a:r>
+              <a:rPr lang="uk-UA" b="1" dirty="0">
+                <a:latin typeface="Calibri" pitchFamily="34" charset="0"/>
+              </a:rPr>
+              <a:t> </a:t>
+            </a:r>
+            <a:r>
+              <a:rPr lang="uk-UA" b="1" dirty="0" err="1">
+                <a:latin typeface="Calibri" pitchFamily="34" charset="0"/>
+              </a:rPr>
+              <a:t>только</a:t>
+            </a:r>
+            <a:r>
+              <a:rPr lang="uk-UA" b="1" dirty="0">
+                <a:latin typeface="Calibri" pitchFamily="34" charset="0"/>
+              </a:rPr>
+              <a:t> для </a:t>
+            </a:r>
+            <a:r>
+              <a:rPr lang="uk-UA" b="1" dirty="0" err="1">
+                <a:latin typeface="Calibri" pitchFamily="34" charset="0"/>
+              </a:rPr>
+              <a:t>чтения</a:t>
+            </a:r>
+            <a:r>
+              <a:rPr lang="en-US" b="1" dirty="0">
+                <a:latin typeface="Calibri" pitchFamily="34" charset="0"/>
+              </a:rPr>
+              <a:t>: </a:t>
+            </a:r>
+            <a:r>
+              <a:rPr lang="ru-RU" dirty="0">
+                <a:latin typeface="Calibri" pitchFamily="34" charset="0"/>
+              </a:rPr>
+              <a:t>Единственный способ изменить состояние - это применить действие - объект, который описывает, что случится.</a:t>
+            </a:r>
+            <a:r>
+              <a:rPr lang="en-US" dirty="0">
+                <a:latin typeface="Calibri" pitchFamily="34" charset="0"/>
+              </a:rPr>
+              <a:t> </a:t>
+            </a:r>
+          </a:p>
+          <a:p>
+            <a:pPr>
+              <a:buFont typeface="Arial" pitchFamily="34" charset="0"/>
+              <a:buChar char="•"/>
+            </a:pPr>
+            <a:endParaRPr lang="en-US" dirty="0">
               <a:latin typeface="Calibri" pitchFamily="34" charset="0"/>
             </a:endParaRPr>
           </a:p>
           <a:p>
-            <a:endParaRPr lang="en-US" sz="2400" dirty="0">
-              <a:latin typeface="Calibri" pitchFamily="34" charset="0"/>
-            </a:endParaRPr>
-          </a:p>
-          <a:p>
-            <a:endParaRPr lang="en-US" sz="2400" dirty="0" smtClean="0">
-              <a:latin typeface="Calibri" pitchFamily="34" charset="0"/>
-            </a:endParaRPr>
+            <a:pPr>
+              <a:buFont typeface="Arial" pitchFamily="34" charset="0"/>
+              <a:buChar char="•"/>
+            </a:pPr>
+            <a:r>
+              <a:rPr lang="en-US" b="1" dirty="0">
+                <a:latin typeface="Calibri" pitchFamily="34" charset="0"/>
+              </a:rPr>
+              <a:t> </a:t>
+            </a:r>
+            <a:r>
+              <a:rPr lang="ru-RU" b="1" dirty="0">
+                <a:latin typeface="Calibri" pitchFamily="34" charset="0"/>
+              </a:rPr>
+              <a:t>Изменение состояния с помощью простых функций</a:t>
+            </a:r>
+            <a:r>
+              <a:rPr lang="en-US" b="1" dirty="0">
+                <a:latin typeface="Calibri" pitchFamily="34" charset="0"/>
+              </a:rPr>
+              <a:t>: </a:t>
+            </a:r>
+            <a:r>
+              <a:rPr lang="ru-RU" dirty="0">
+                <a:latin typeface="Calibri" pitchFamily="34" charset="0"/>
+              </a:rPr>
+              <a:t>Для определения того, как дерево состояния будет трансформировано действиями, следует писать чистые </a:t>
+            </a:r>
+            <a:r>
+              <a:rPr lang="ru-RU" dirty="0" err="1">
+                <a:latin typeface="Calibri" pitchFamily="34" charset="0"/>
+              </a:rPr>
+              <a:t>редюсеры</a:t>
+            </a:r>
+            <a:r>
+              <a:rPr lang="ru-RU" dirty="0">
+                <a:latin typeface="Calibri" pitchFamily="34" charset="0"/>
+              </a:rPr>
+              <a:t>.</a:t>
+            </a:r>
+            <a:r>
+              <a:rPr lang="en-US" dirty="0">
+                <a:latin typeface="Calibri" pitchFamily="34" charset="0"/>
+              </a:rPr>
+              <a:t> </a:t>
+            </a:r>
+            <a:r>
+              <a:rPr lang="ru-RU" b="1" dirty="0" err="1">
+                <a:latin typeface="Calibri" pitchFamily="34" charset="0"/>
+              </a:rPr>
+              <a:t>Редюсеры</a:t>
+            </a:r>
+            <a:r>
+              <a:rPr lang="ru-RU" dirty="0">
+                <a:latin typeface="Calibri" pitchFamily="34" charset="0"/>
+              </a:rPr>
+              <a:t> - это  функции, которые берут предыдущее состояние и действие и возвращают новое состояние. Не забывайте возвращать новый объект состояния, вместо того, чтобы изменять предыдущее.</a:t>
+            </a:r>
           </a:p>
         </p:txBody>
       </p:sp>
@@ -2599,7 +2400,7 @@
       </p:grpSpPr>
       <p:sp>
         <p:nvSpPr>
-          <p:cNvPr id="2" name="Заголовок 1"/>
+          <p:cNvPr id="7" name="Заголовок 6"/>
           <p:cNvSpPr>
             <a:spLocks noGrp="1"/>
           </p:cNvSpPr>
@@ -2613,16 +2414,16 @@
           <a:lstStyle/>
           <a:p>
             <a:r>
-              <a:rPr lang="ru-RU" dirty="0" smtClean="0"/>
+              <a:rPr lang="ru-RU" dirty="0"/>
               <a:t>Компоненты </a:t>
             </a:r>
             <a:r>
-              <a:rPr lang="en-US" dirty="0" err="1" smtClean="0"/>
+              <a:rPr lang="en-US" dirty="0" err="1"/>
               <a:t>redux</a:t>
             </a:r>
             <a:r>
-              <a:rPr lang="en-US" dirty="0" smtClean="0"/>
-              <a:t>: reducers</a:t>
+              <a:rPr lang="en-US" dirty="0"/>
+              <a:t>: actions</a:t>
             </a:r>
             <a:endParaRPr lang="uk-UA" dirty="0"/>
           </a:p>
@@ -2636,8 +2437,8 @@
         </p:nvSpPr>
         <p:spPr>
           <a:xfrm>
-            <a:off x="683568" y="1412776"/>
-            <a:ext cx="7632848" cy="4401205"/>
+            <a:off x="683568" y="1700808"/>
+            <a:ext cx="7848872" cy="3139321"/>
           </a:xfrm>
           <a:prstGeom prst="rect">
             <a:avLst/>
@@ -2651,271 +2452,118 @@
           <a:lstStyle/>
           <a:p>
             <a:r>
-              <a:rPr lang="ru-RU" sz="2000" b="1" dirty="0" err="1" smtClean="0">
-                <a:latin typeface="Calibri" pitchFamily="34" charset="0"/>
-              </a:rPr>
-              <a:t>Редюсер</a:t>
-            </a:r>
-            <a:r>
-              <a:rPr lang="ru-RU" sz="2000" b="1" dirty="0" smtClean="0">
+              <a:rPr lang="ru-RU" b="1" dirty="0">
+                <a:latin typeface="Calibri" pitchFamily="34" charset="0"/>
+              </a:rPr>
+              <a:t>Действия</a:t>
+            </a:r>
+            <a:r>
+              <a:rPr lang="en-US" b="1" dirty="0">
+                <a:latin typeface="Calibri" pitchFamily="34" charset="0"/>
+              </a:rPr>
+              <a:t> (actions)</a:t>
+            </a:r>
+            <a:r>
+              <a:rPr lang="ru-RU" dirty="0">
+                <a:latin typeface="Calibri" pitchFamily="34" charset="0"/>
+              </a:rPr>
+              <a:t> - это структура, которая передает данные из вашего приложения в хранилище. Они являются</a:t>
+            </a:r>
+            <a:r>
+              <a:rPr lang="en-US" dirty="0">
                 <a:latin typeface="Calibri" pitchFamily="34" charset="0"/>
               </a:rPr>
               <a:t> </a:t>
             </a:r>
             <a:r>
-              <a:rPr lang="ru-RU" sz="2000" b="1" dirty="0">
-                <a:latin typeface="Calibri" pitchFamily="34" charset="0"/>
-              </a:rPr>
-              <a:t>(</a:t>
-            </a:r>
-            <a:r>
-              <a:rPr lang="ru-RU" sz="2000" b="1" dirty="0" err="1">
-                <a:latin typeface="Calibri" pitchFamily="34" charset="0"/>
-              </a:rPr>
-              <a:t>reducer</a:t>
-            </a:r>
-            <a:r>
-              <a:rPr lang="ru-RU" sz="2000" b="1" dirty="0">
-                <a:latin typeface="Calibri" pitchFamily="34" charset="0"/>
-              </a:rPr>
-              <a:t>) </a:t>
-            </a:r>
-            <a:r>
-              <a:rPr lang="ru-RU" sz="2000" dirty="0">
-                <a:latin typeface="Calibri" pitchFamily="34" charset="0"/>
-              </a:rPr>
-              <a:t>- это чистая функция, которая принимает предыдущее состояние и действие (</a:t>
-            </a:r>
-            <a:r>
-              <a:rPr lang="ru-RU" sz="2000" dirty="0" err="1">
-                <a:latin typeface="Calibri" pitchFamily="34" charset="0"/>
-              </a:rPr>
-              <a:t>state</a:t>
-            </a:r>
-            <a:r>
-              <a:rPr lang="ru-RU" sz="2000" dirty="0">
-                <a:latin typeface="Calibri" pitchFamily="34" charset="0"/>
-              </a:rPr>
-              <a:t> и </a:t>
-            </a:r>
-            <a:r>
-              <a:rPr lang="ru-RU" sz="2000" dirty="0" err="1">
-                <a:latin typeface="Calibri" pitchFamily="34" charset="0"/>
-              </a:rPr>
-              <a:t>action</a:t>
-            </a:r>
-            <a:r>
-              <a:rPr lang="ru-RU" sz="2000" dirty="0">
-                <a:latin typeface="Calibri" pitchFamily="34" charset="0"/>
-              </a:rPr>
-              <a:t>) </a:t>
-            </a:r>
-            <a:r>
-              <a:rPr lang="ru-RU" sz="2000" dirty="0" err="1">
-                <a:latin typeface="Calibri" pitchFamily="34" charset="0"/>
-              </a:rPr>
-              <a:t>и</a:t>
-            </a:r>
-            <a:r>
-              <a:rPr lang="ru-RU" sz="2000" dirty="0">
-                <a:latin typeface="Calibri" pitchFamily="34" charset="0"/>
-              </a:rPr>
-              <a:t> возвращает следующее состояние (новую версию предыдущего</a:t>
-            </a:r>
-            <a:r>
-              <a:rPr lang="ru-RU" sz="2000" dirty="0" smtClean="0">
-                <a:latin typeface="Calibri" pitchFamily="34" charset="0"/>
-              </a:rPr>
-              <a:t>).</a:t>
-            </a:r>
-            <a:r>
-              <a:rPr lang="en-US" sz="2000" dirty="0" smtClean="0">
+              <a:rPr lang="ru-RU" i="1" dirty="0">
+                <a:latin typeface="Calibri" pitchFamily="34" charset="0"/>
+              </a:rPr>
+              <a:t>единственными</a:t>
+            </a:r>
+            <a:r>
+              <a:rPr lang="ru-RU" dirty="0">
+                <a:latin typeface="Calibri" pitchFamily="34" charset="0"/>
+              </a:rPr>
+              <a:t> источниками информации для хранилища. Вы отправляете их в хранилище используя метод</a:t>
+            </a:r>
+            <a:r>
+              <a:rPr lang="en-US" dirty="0">
                 <a:latin typeface="Calibri" pitchFamily="34" charset="0"/>
               </a:rPr>
               <a:t> </a:t>
             </a:r>
-          </a:p>
-          <a:p>
-            <a:endParaRPr lang="en-US" sz="2000" dirty="0">
+            <a:r>
+              <a:rPr lang="ru-RU" dirty="0" err="1">
+                <a:latin typeface="Calibri" pitchFamily="34" charset="0"/>
+              </a:rPr>
+              <a:t>store.dispatch</a:t>
+            </a:r>
+            <a:r>
+              <a:rPr lang="ru-RU" dirty="0">
+                <a:latin typeface="Calibri" pitchFamily="34" charset="0"/>
+              </a:rPr>
+              <a:t>().</a:t>
+            </a:r>
+            <a:r>
+              <a:rPr lang="en-US" dirty="0">
+                <a:latin typeface="Calibri" pitchFamily="34" charset="0"/>
+              </a:rPr>
+              <a:t> </a:t>
+            </a:r>
+          </a:p>
+          <a:p>
+            <a:endParaRPr lang="en-US" dirty="0">
               <a:latin typeface="Calibri" pitchFamily="34" charset="0"/>
             </a:endParaRPr>
           </a:p>
           <a:p>
             <a:r>
-              <a:rPr lang="ru-RU" sz="2000" dirty="0" smtClean="0">
-                <a:latin typeface="Calibri" pitchFamily="34" charset="0"/>
-              </a:rPr>
-              <a:t>Очень </a:t>
-            </a:r>
-            <a:r>
-              <a:rPr lang="ru-RU" sz="2000" dirty="0">
-                <a:latin typeface="Calibri" pitchFamily="34" charset="0"/>
-              </a:rPr>
-              <a:t>важно, чтобы </a:t>
-            </a:r>
-            <a:r>
-              <a:rPr lang="ru-RU" sz="2000" dirty="0" err="1">
-                <a:latin typeface="Calibri" pitchFamily="34" charset="0"/>
-              </a:rPr>
-              <a:t>редюсеры</a:t>
-            </a:r>
-            <a:r>
-              <a:rPr lang="ru-RU" sz="2000" dirty="0">
-                <a:latin typeface="Calibri" pitchFamily="34" charset="0"/>
-              </a:rPr>
-              <a:t> оставались чистыми функциями. Вот список того, чего </a:t>
-            </a:r>
-            <a:r>
-              <a:rPr lang="ru-RU" sz="2000" b="1" dirty="0">
-                <a:latin typeface="Calibri" pitchFamily="34" charset="0"/>
-              </a:rPr>
-              <a:t>никогда</a:t>
-            </a:r>
-            <a:r>
-              <a:rPr lang="ru-RU" sz="2000" dirty="0">
-                <a:latin typeface="Calibri" pitchFamily="34" charset="0"/>
-              </a:rPr>
-              <a:t> нельзя делать в </a:t>
-            </a:r>
-            <a:r>
-              <a:rPr lang="ru-RU" sz="2000" dirty="0" err="1">
-                <a:latin typeface="Calibri" pitchFamily="34" charset="0"/>
-              </a:rPr>
-              <a:t>редюсере</a:t>
-            </a:r>
-            <a:r>
-              <a:rPr lang="ru-RU" sz="2000" dirty="0" smtClean="0">
-                <a:latin typeface="Calibri" pitchFamily="34" charset="0"/>
-              </a:rPr>
-              <a:t>:</a:t>
-            </a:r>
-            <a:r>
-              <a:rPr lang="en-US" sz="2000" dirty="0" smtClean="0">
-                <a:latin typeface="Calibri" pitchFamily="34" charset="0"/>
-              </a:rPr>
-              <a:t> </a:t>
-            </a:r>
-          </a:p>
-          <a:p>
-            <a:endParaRPr lang="ru-RU" sz="2000" dirty="0">
+              <a:rPr lang="ru-RU" dirty="0">
+                <a:latin typeface="Calibri" pitchFamily="34" charset="0"/>
+              </a:rPr>
+              <a:t>Действия - это обычные </a:t>
+            </a:r>
+            <a:r>
+              <a:rPr lang="ru-RU" dirty="0" err="1">
+                <a:latin typeface="Calibri" pitchFamily="34" charset="0"/>
+              </a:rPr>
+              <a:t>JavaScript</a:t>
+            </a:r>
+            <a:r>
+              <a:rPr lang="ru-RU" dirty="0">
+                <a:latin typeface="Calibri" pitchFamily="34" charset="0"/>
+              </a:rPr>
+              <a:t> объекты. Действия должны иметь поле </a:t>
+            </a:r>
+            <a:r>
+              <a:rPr lang="ru-RU" dirty="0" err="1">
+                <a:latin typeface="Calibri" pitchFamily="34" charset="0"/>
+              </a:rPr>
+              <a:t>type</a:t>
+            </a:r>
+            <a:r>
+              <a:rPr lang="ru-RU" dirty="0">
+                <a:latin typeface="Calibri" pitchFamily="34" charset="0"/>
+              </a:rPr>
+              <a:t>, которое указывает на тип исполняемого действия. Типы должны, как правило, определяться как строковые константы. </a:t>
+            </a:r>
+            <a:endParaRPr lang="en-US" dirty="0">
               <a:latin typeface="Calibri" pitchFamily="34" charset="0"/>
             </a:endParaRPr>
           </a:p>
           <a:p>
-            <a:pPr>
-              <a:buFont typeface="Arial" pitchFamily="34" charset="0"/>
-              <a:buChar char="•"/>
-            </a:pPr>
-            <a:r>
-              <a:rPr lang="en-US" sz="2000" dirty="0" smtClean="0">
-                <a:latin typeface="Calibri" pitchFamily="34" charset="0"/>
-              </a:rPr>
-              <a:t> </a:t>
-            </a:r>
-            <a:r>
-              <a:rPr lang="ru-RU" sz="2000" dirty="0" smtClean="0">
-                <a:latin typeface="Calibri" pitchFamily="34" charset="0"/>
-              </a:rPr>
-              <a:t>Непосредственно </a:t>
-            </a:r>
-            <a:r>
-              <a:rPr lang="ru-RU" sz="2000" dirty="0">
-                <a:latin typeface="Calibri" pitchFamily="34" charset="0"/>
-              </a:rPr>
-              <a:t>изменять то, что пришло в аргументах функции;</a:t>
-            </a:r>
-          </a:p>
-          <a:p>
-            <a:pPr>
-              <a:buFont typeface="Arial" pitchFamily="34" charset="0"/>
-              <a:buChar char="•"/>
-            </a:pPr>
-            <a:r>
-              <a:rPr lang="en-US" sz="2000" dirty="0" smtClean="0">
-                <a:latin typeface="Calibri" pitchFamily="34" charset="0"/>
-              </a:rPr>
-              <a:t> </a:t>
-            </a:r>
-            <a:r>
-              <a:rPr lang="ru-RU" sz="2000" dirty="0" smtClean="0">
-                <a:latin typeface="Calibri" pitchFamily="34" charset="0"/>
-              </a:rPr>
-              <a:t>Выполнять </a:t>
-            </a:r>
-            <a:r>
-              <a:rPr lang="ru-RU" sz="2000" dirty="0">
-                <a:latin typeface="Calibri" pitchFamily="34" charset="0"/>
-              </a:rPr>
-              <a:t>какие-либо сайд-эффекты: обращаться к API или осуществлять переход по </a:t>
-            </a:r>
-            <a:r>
-              <a:rPr lang="ru-RU" sz="2000" dirty="0" err="1">
-                <a:latin typeface="Calibri" pitchFamily="34" charset="0"/>
-              </a:rPr>
-              <a:t>роутам</a:t>
-            </a:r>
-            <a:r>
-              <a:rPr lang="ru-RU" sz="2000" dirty="0">
-                <a:latin typeface="Calibri" pitchFamily="34" charset="0"/>
-              </a:rPr>
-              <a:t>;</a:t>
-            </a:r>
-          </a:p>
-          <a:p>
-            <a:pPr>
-              <a:buFont typeface="Arial" pitchFamily="34" charset="0"/>
-              <a:buChar char="•"/>
-            </a:pPr>
-            <a:r>
-              <a:rPr lang="en-US" sz="2000" dirty="0" smtClean="0">
-                <a:latin typeface="Calibri" pitchFamily="34" charset="0"/>
-              </a:rPr>
-              <a:t> </a:t>
-            </a:r>
-            <a:r>
-              <a:rPr lang="ru-RU" sz="2000" dirty="0" smtClean="0">
-                <a:latin typeface="Calibri" pitchFamily="34" charset="0"/>
-              </a:rPr>
-              <a:t>Вызывать </a:t>
-            </a:r>
-            <a:r>
-              <a:rPr lang="ru-RU" sz="2000" dirty="0">
-                <a:latin typeface="Calibri" pitchFamily="34" charset="0"/>
-              </a:rPr>
-              <a:t>не чистые функции, например </a:t>
-            </a:r>
-            <a:r>
-              <a:rPr lang="ru-RU" sz="2000" dirty="0" err="1">
-                <a:latin typeface="Calibri" pitchFamily="34" charset="0"/>
-              </a:rPr>
-              <a:t>Date.now</a:t>
-            </a:r>
-            <a:r>
-              <a:rPr lang="ru-RU" sz="2000" dirty="0">
-                <a:latin typeface="Calibri" pitchFamily="34" charset="0"/>
-              </a:rPr>
-              <a:t>() или </a:t>
-            </a:r>
-            <a:r>
-              <a:rPr lang="ru-RU" sz="2000" dirty="0" err="1">
-                <a:latin typeface="Calibri" pitchFamily="34" charset="0"/>
-              </a:rPr>
-              <a:t>Math.random</a:t>
-            </a:r>
-            <a:r>
-              <a:rPr lang="ru-RU" sz="2000" dirty="0">
-                <a:latin typeface="Calibri" pitchFamily="34" charset="0"/>
-              </a:rPr>
-              <a:t>().</a:t>
-            </a:r>
-          </a:p>
-          <a:p>
-            <a:endParaRPr lang="en-US" sz="2000" dirty="0" smtClean="0">
+            <a:endParaRPr lang="en-US" dirty="0">
               <a:latin typeface="Calibri" pitchFamily="34" charset="0"/>
             </a:endParaRPr>
           </a:p>
           <a:p>
-            <a:endParaRPr lang="uk-UA" sz="2000" dirty="0">
+            <a:endParaRPr lang="en-US" dirty="0">
+              <a:latin typeface="Calibri" pitchFamily="34" charset="0"/>
+            </a:endParaRPr>
+          </a:p>
+          <a:p>
+            <a:endParaRPr lang="en-US" dirty="0">
               <a:latin typeface="Calibri" pitchFamily="34" charset="0"/>
             </a:endParaRPr>
           </a:p>
@@ -2962,16 +2610,16 @@
           <a:lstStyle/>
           <a:p>
             <a:r>
-              <a:rPr lang="ru-RU" dirty="0" smtClean="0"/>
+              <a:rPr lang="ru-RU" dirty="0"/>
               <a:t>Компоненты </a:t>
             </a:r>
             <a:r>
-              <a:rPr lang="en-US" dirty="0" err="1" smtClean="0"/>
+              <a:rPr lang="en-US" dirty="0" err="1"/>
               <a:t>redux</a:t>
             </a:r>
             <a:r>
-              <a:rPr lang="en-US" dirty="0" smtClean="0"/>
-              <a:t>: store</a:t>
+              <a:rPr lang="en-US" dirty="0"/>
+              <a:t>: reducers</a:t>
             </a:r>
             <a:endParaRPr lang="uk-UA" dirty="0"/>
           </a:p>
@@ -2979,14 +2627,14 @@
       </p:sp>
       <p:sp>
         <p:nvSpPr>
-          <p:cNvPr id="5" name="TextBox 4"/>
+          <p:cNvPr id="4" name="TextBox 3"/>
           <p:cNvSpPr txBox="1"/>
           <p:nvPr/>
         </p:nvSpPr>
         <p:spPr>
           <a:xfrm>
-            <a:off x="683568" y="1844824"/>
-            <a:ext cx="7776864" cy="3477875"/>
+            <a:off x="683568" y="1412776"/>
+            <a:ext cx="7632848" cy="3693319"/>
           </a:xfrm>
           <a:prstGeom prst="rect">
             <a:avLst/>
@@ -3000,38 +2648,135 @@
           <a:lstStyle/>
           <a:p>
             <a:r>
-              <a:rPr lang="ru-RU" sz="2000" b="1" dirty="0" smtClean="0">
-                <a:latin typeface="Calibri" pitchFamily="34" charset="0"/>
-              </a:rPr>
-              <a:t>Хранилище (</a:t>
-            </a:r>
-            <a:r>
-              <a:rPr lang="ru-RU" sz="2000" b="1" dirty="0" err="1" smtClean="0">
-                <a:latin typeface="Calibri" pitchFamily="34" charset="0"/>
-              </a:rPr>
-              <a:t>Store</a:t>
-            </a:r>
-            <a:r>
-              <a:rPr lang="ru-RU" sz="2000" b="1" dirty="0" smtClean="0">
-                <a:latin typeface="Calibri" pitchFamily="34" charset="0"/>
-              </a:rPr>
-              <a:t>)</a:t>
-            </a:r>
-            <a:r>
-              <a:rPr lang="ru-RU" sz="2000" dirty="0" smtClean="0">
-                <a:latin typeface="Calibri" pitchFamily="34" charset="0"/>
-              </a:rPr>
-              <a:t> - это объект, который соединяет эти части вместе. Хранилище берет на себя следующие задачи:</a:t>
-            </a:r>
-            <a:r>
-              <a:rPr lang="en-US" sz="2000" dirty="0" smtClean="0">
+              <a:rPr lang="ru-RU" b="1" dirty="0" err="1">
+                <a:latin typeface="Calibri" pitchFamily="34" charset="0"/>
+              </a:rPr>
+              <a:t>Редюсер</a:t>
+            </a:r>
+            <a:r>
+              <a:rPr lang="ru-RU" b="1" dirty="0">
+                <a:latin typeface="Calibri" pitchFamily="34" charset="0"/>
+              </a:rPr>
+              <a:t> (</a:t>
+            </a:r>
+            <a:r>
+              <a:rPr lang="ru-RU" b="1" dirty="0" err="1">
+                <a:latin typeface="Calibri" pitchFamily="34" charset="0"/>
+              </a:rPr>
+              <a:t>reducer</a:t>
+            </a:r>
+            <a:r>
+              <a:rPr lang="ru-RU" b="1" dirty="0">
+                <a:latin typeface="Calibri" pitchFamily="34" charset="0"/>
+              </a:rPr>
+              <a:t>) </a:t>
+            </a:r>
+            <a:r>
+              <a:rPr lang="ru-RU" dirty="0">
+                <a:latin typeface="Calibri" pitchFamily="34" charset="0"/>
+              </a:rPr>
+              <a:t>- это чистая функция, которая принимает предыдущее состояние и действие (</a:t>
+            </a:r>
+            <a:r>
+              <a:rPr lang="ru-RU" dirty="0" err="1">
+                <a:latin typeface="Calibri" pitchFamily="34" charset="0"/>
+              </a:rPr>
+              <a:t>state</a:t>
+            </a:r>
+            <a:r>
+              <a:rPr lang="ru-RU" dirty="0">
+                <a:latin typeface="Calibri" pitchFamily="34" charset="0"/>
+              </a:rPr>
+              <a:t> и </a:t>
+            </a:r>
+            <a:r>
+              <a:rPr lang="ru-RU" dirty="0" err="1">
+                <a:latin typeface="Calibri" pitchFamily="34" charset="0"/>
+              </a:rPr>
+              <a:t>action</a:t>
+            </a:r>
+            <a:r>
+              <a:rPr lang="ru-RU" dirty="0">
+                <a:latin typeface="Calibri" pitchFamily="34" charset="0"/>
+              </a:rPr>
+              <a:t>) </a:t>
+            </a:r>
+            <a:r>
+              <a:rPr lang="ru-RU" dirty="0" err="1">
+                <a:latin typeface="Calibri" pitchFamily="34" charset="0"/>
+              </a:rPr>
+              <a:t>и</a:t>
+            </a:r>
+            <a:r>
+              <a:rPr lang="ru-RU" dirty="0">
+                <a:latin typeface="Calibri" pitchFamily="34" charset="0"/>
+              </a:rPr>
+              <a:t> возвращает следующее состояние (новую версию предыдущего).</a:t>
+            </a:r>
+            <a:r>
+              <a:rPr lang="en-US" dirty="0">
                 <a:latin typeface="Calibri" pitchFamily="34" charset="0"/>
               </a:rPr>
               <a:t> </a:t>
             </a:r>
           </a:p>
           <a:p>
-            <a:endParaRPr lang="ru-RU" sz="2000" dirty="0" smtClean="0">
+            <a:endParaRPr lang="en-US" dirty="0">
+              <a:latin typeface="Calibri" pitchFamily="34" charset="0"/>
+            </a:endParaRPr>
+          </a:p>
+          <a:p>
+            <a:r>
+              <a:rPr lang="ru-RU" dirty="0">
+                <a:latin typeface="Calibri" pitchFamily="34" charset="0"/>
+              </a:rPr>
+              <a:t>Очень важно, чтобы </a:t>
+            </a:r>
+            <a:r>
+              <a:rPr lang="ru-RU" dirty="0" err="1">
+                <a:latin typeface="Calibri" pitchFamily="34" charset="0"/>
+              </a:rPr>
+              <a:t>редюсеры</a:t>
+            </a:r>
+            <a:r>
+              <a:rPr lang="ru-RU" dirty="0">
+                <a:latin typeface="Calibri" pitchFamily="34" charset="0"/>
+              </a:rPr>
+              <a:t> оставались чистыми функциями. Вот список того, чего </a:t>
+            </a:r>
+            <a:r>
+              <a:rPr lang="ru-RU" b="1" dirty="0">
+                <a:latin typeface="Calibri" pitchFamily="34" charset="0"/>
+              </a:rPr>
+              <a:t>никогда</a:t>
+            </a:r>
+            <a:r>
+              <a:rPr lang="ru-RU" dirty="0">
+                <a:latin typeface="Calibri" pitchFamily="34" charset="0"/>
+              </a:rPr>
+              <a:t> нельзя делать в </a:t>
+            </a:r>
+            <a:r>
+              <a:rPr lang="ru-RU" dirty="0" err="1">
+                <a:latin typeface="Calibri" pitchFamily="34" charset="0"/>
+              </a:rPr>
+              <a:t>редюсере</a:t>
+            </a:r>
+            <a:r>
+              <a:rPr lang="ru-RU" dirty="0">
+                <a:latin typeface="Calibri" pitchFamily="34" charset="0"/>
+              </a:rPr>
+              <a:t>:</a:t>
+            </a:r>
+            <a:r>
+              <a:rPr lang="en-US" dirty="0">
+                <a:latin typeface="Calibri" pitchFamily="34" charset="0"/>
+              </a:rPr>
+              <a:t> </a:t>
+            </a:r>
+          </a:p>
+          <a:p>
+            <a:endParaRPr lang="ru-RU" dirty="0">
               <a:latin typeface="Calibri" pitchFamily="34" charset="0"/>
             </a:endParaRPr>
           </a:p>
@@ -3041,50 +2786,17 @@
               <a:buChar char="•"/>
             </a:pPr>
             <a:r>
-              <a:rPr lang="en-US" sz="2000" dirty="0" smtClean="0">
+              <a:rPr lang="en-US" dirty="0">
                 <a:latin typeface="Calibri" pitchFamily="34" charset="0"/>
               </a:rPr>
               <a:t> </a:t>
             </a:r>
             <a:r>
-              <a:rPr lang="ru-RU" sz="2000" dirty="0" smtClean="0">
-                <a:latin typeface="Calibri" pitchFamily="34" charset="0"/>
-              </a:rPr>
-              <a:t>Содержит состояние приложения (</a:t>
-            </a:r>
-            <a:r>
-              <a:rPr lang="ru-RU" sz="2000" dirty="0" err="1" smtClean="0">
-                <a:latin typeface="Calibri" pitchFamily="34" charset="0"/>
-              </a:rPr>
-              <a:t>application</a:t>
-            </a:r>
-            <a:r>
-              <a:rPr lang="ru-RU" sz="2000" dirty="0" smtClean="0">
-                <a:latin typeface="Calibri" pitchFamily="34" charset="0"/>
-              </a:rPr>
-              <a:t> </a:t>
-            </a:r>
-            <a:r>
-              <a:rPr lang="ru-RU" sz="2000" dirty="0" err="1" smtClean="0">
-                <a:latin typeface="Calibri" pitchFamily="34" charset="0"/>
-              </a:rPr>
-              <a:t>state</a:t>
-            </a:r>
-            <a:r>
-              <a:rPr lang="ru-RU" sz="2000" dirty="0" smtClean="0">
-                <a:latin typeface="Calibri" pitchFamily="34" charset="0"/>
-              </a:rPr>
-              <a:t>);</a:t>
-            </a:r>
-            <a:r>
-              <a:rPr lang="en-US" sz="2000" dirty="0" smtClean="0">
-                <a:latin typeface="Calibri" pitchFamily="34" charset="0"/>
-              </a:rPr>
-              <a:t> </a:t>
-            </a:r>
-            <a:endParaRPr lang="ru-RU" sz="2000" dirty="0" smtClean="0">
-              <a:latin typeface="Calibri" pitchFamily="34" charset="0"/>
-            </a:endParaRPr>
+              <a:rPr lang="ru-RU" dirty="0">
+                <a:latin typeface="Calibri" pitchFamily="34" charset="0"/>
+              </a:rPr>
+              <a:t>Непосредственно изменять то, что пришло в аргументах функции;</a:t>
+            </a:r>
           </a:p>
           <a:p>
             <a:pPr>
@@ -3092,28 +2804,28 @@
               <a:buChar char="•"/>
             </a:pPr>
             <a:r>
-              <a:rPr lang="en-US" sz="2000" dirty="0" smtClean="0">
+              <a:rPr lang="en-US" dirty="0">
                 <a:latin typeface="Calibri" pitchFamily="34" charset="0"/>
               </a:rPr>
               <a:t> </a:t>
             </a:r>
             <a:r>
-              <a:rPr lang="ru-RU" sz="2000" dirty="0" smtClean="0">
-                <a:latin typeface="Calibri" pitchFamily="34" charset="0"/>
-              </a:rPr>
-              <a:t>Предоставляет доступ к состоянию с помощью </a:t>
-            </a:r>
-            <a:r>
-              <a:rPr lang="ru-RU" sz="2000" dirty="0" err="1" smtClean="0">
-                <a:latin typeface="Calibri" pitchFamily="34" charset="0"/>
-              </a:rPr>
-              <a:t>getState</a:t>
-            </a:r>
-            <a:r>
-              <a:rPr lang="ru-RU" sz="2000" dirty="0" smtClean="0">
-                <a:latin typeface="Calibri" pitchFamily="34" charset="0"/>
-              </a:rPr>
-              <a:t>();</a:t>
+              <a:rPr lang="ru-RU" dirty="0">
+                <a:latin typeface="Calibri" pitchFamily="34" charset="0"/>
+              </a:rPr>
+              <a:t>Выполнять какие-либо сайд-эффекты: обращаться к API или осуществлять переход по </a:t>
+            </a:r>
+            <a:r>
+              <a:rPr lang="ru-RU" dirty="0" err="1">
+                <a:latin typeface="Calibri" pitchFamily="34" charset="0"/>
+              </a:rPr>
+              <a:t>роутам</a:t>
+            </a:r>
+            <a:r>
+              <a:rPr lang="ru-RU" dirty="0">
+                <a:latin typeface="Calibri" pitchFamily="34" charset="0"/>
+              </a:rPr>
+              <a:t>;</a:t>
             </a:r>
           </a:p>
           <a:p>
@@ -3122,152 +2834,49 @@
               <a:buChar char="•"/>
             </a:pPr>
             <a:r>
-              <a:rPr lang="en-US" sz="2000" dirty="0" smtClean="0">
+              <a:rPr lang="en-US" dirty="0">
                 <a:latin typeface="Calibri" pitchFamily="34" charset="0"/>
               </a:rPr>
               <a:t> </a:t>
             </a:r>
             <a:r>
-              <a:rPr lang="ru-RU" sz="2000" dirty="0" smtClean="0">
-                <a:latin typeface="Calibri" pitchFamily="34" charset="0"/>
-              </a:rPr>
-              <a:t>Предоставляет возможность обновления состояния с помощью </a:t>
-            </a:r>
-            <a:r>
-              <a:rPr lang="ru-RU" sz="2000" dirty="0" err="1" smtClean="0">
-                <a:latin typeface="Calibri" pitchFamily="34" charset="0"/>
-              </a:rPr>
-              <a:t>dispatch</a:t>
-            </a:r>
-            <a:r>
-              <a:rPr lang="ru-RU" sz="2000" dirty="0" smtClean="0">
-                <a:latin typeface="Calibri" pitchFamily="34" charset="0"/>
-              </a:rPr>
-              <a:t>(</a:t>
-            </a:r>
-            <a:r>
-              <a:rPr lang="ru-RU" sz="2000" dirty="0" err="1" smtClean="0">
-                <a:latin typeface="Calibri" pitchFamily="34" charset="0"/>
-              </a:rPr>
-              <a:t>action</a:t>
-            </a:r>
-            <a:r>
-              <a:rPr lang="ru-RU" sz="2000" dirty="0" smtClean="0">
-                <a:latin typeface="Calibri" pitchFamily="34" charset="0"/>
-              </a:rPr>
-              <a:t>);</a:t>
-            </a:r>
-          </a:p>
-          <a:p>
-            <a:pPr>
-              <a:buFont typeface="Arial" pitchFamily="34" charset="0"/>
-              <a:buChar char="•"/>
-            </a:pPr>
-            <a:r>
-              <a:rPr lang="en-US" sz="2000" dirty="0" smtClean="0">
-                <a:latin typeface="Calibri" pitchFamily="34" charset="0"/>
-              </a:rPr>
-              <a:t> </a:t>
-            </a:r>
-            <a:r>
-              <a:rPr lang="ru-RU" sz="2000" dirty="0" smtClean="0">
-                <a:latin typeface="Calibri" pitchFamily="34" charset="0"/>
-              </a:rPr>
-              <a:t>Регистрирует слушатели (</a:t>
-            </a:r>
-            <a:r>
-              <a:rPr lang="ru-RU" sz="2000" dirty="0" err="1" smtClean="0">
-                <a:latin typeface="Calibri" pitchFamily="34" charset="0"/>
-              </a:rPr>
-              <a:t>listeners</a:t>
-            </a:r>
-            <a:r>
-              <a:rPr lang="ru-RU" sz="2000" dirty="0" smtClean="0">
-                <a:latin typeface="Calibri" pitchFamily="34" charset="0"/>
-              </a:rPr>
-              <a:t>) </a:t>
-            </a:r>
-            <a:r>
-              <a:rPr lang="ru-RU" sz="2000" dirty="0" err="1" smtClean="0">
-                <a:latin typeface="Calibri" pitchFamily="34" charset="0"/>
-              </a:rPr>
-              <a:t>c</a:t>
-            </a:r>
-            <a:r>
-              <a:rPr lang="ru-RU" sz="2000" dirty="0" smtClean="0">
-                <a:latin typeface="Calibri" pitchFamily="34" charset="0"/>
-              </a:rPr>
-              <a:t> помощью </a:t>
-            </a:r>
-            <a:r>
-              <a:rPr lang="ru-RU" sz="2000" dirty="0" err="1" smtClean="0">
-                <a:latin typeface="Calibri" pitchFamily="34" charset="0"/>
-              </a:rPr>
-              <a:t>subscribe</a:t>
-            </a:r>
-            <a:r>
-              <a:rPr lang="ru-RU" sz="2000" dirty="0" smtClean="0">
-                <a:latin typeface="Calibri" pitchFamily="34" charset="0"/>
-              </a:rPr>
-              <a:t>(</a:t>
-            </a:r>
-            <a:r>
-              <a:rPr lang="ru-RU" sz="2000" dirty="0" err="1" smtClean="0">
-                <a:latin typeface="Calibri" pitchFamily="34" charset="0"/>
-              </a:rPr>
-              <a:t>listener</a:t>
-            </a:r>
-            <a:r>
-              <a:rPr lang="ru-RU" sz="2000" dirty="0" smtClean="0">
-                <a:latin typeface="Calibri" pitchFamily="34" charset="0"/>
-              </a:rPr>
-              <a:t>).</a:t>
-            </a:r>
-          </a:p>
-          <a:p>
-            <a:pPr>
-              <a:buFont typeface="Arial" pitchFamily="34" charset="0"/>
-              <a:buChar char="•"/>
-            </a:pPr>
-            <a:r>
-              <a:rPr lang="en-US" sz="2000" dirty="0" smtClean="0">
-                <a:latin typeface="Calibri" pitchFamily="34" charset="0"/>
-              </a:rPr>
-              <a:t> </a:t>
-            </a:r>
-            <a:r>
-              <a:rPr lang="ru-RU" sz="2000" dirty="0" smtClean="0">
-                <a:latin typeface="Calibri" pitchFamily="34" charset="0"/>
-              </a:rPr>
-              <a:t>Важно отметить, что у Вас будет только </a:t>
-            </a:r>
-            <a:r>
-              <a:rPr lang="ru-RU" sz="2000" b="1" dirty="0" smtClean="0">
-                <a:latin typeface="Calibri" pitchFamily="34" charset="0"/>
-              </a:rPr>
-              <a:t>одно</a:t>
-            </a:r>
-            <a:r>
-              <a:rPr lang="ru-RU" sz="2000" dirty="0" smtClean="0">
-                <a:latin typeface="Calibri" pitchFamily="34" charset="0"/>
-              </a:rPr>
-              <a:t> хранилище в </a:t>
-            </a:r>
-            <a:r>
-              <a:rPr lang="ru-RU" sz="2000" dirty="0" err="1" smtClean="0">
-                <a:latin typeface="Calibri" pitchFamily="34" charset="0"/>
-              </a:rPr>
-              <a:t>Redux</a:t>
-            </a:r>
-            <a:r>
-              <a:rPr lang="ru-RU" sz="2000" dirty="0" smtClean="0">
-                <a:latin typeface="Calibri" pitchFamily="34" charset="0"/>
-              </a:rPr>
-              <a:t> приложении.</a:t>
-            </a:r>
-          </a:p>
-          <a:p>
-            <a:endParaRPr lang="uk-UA" sz="2000" dirty="0">
+              <a:rPr lang="ru-RU" dirty="0">
+                <a:latin typeface="Calibri" pitchFamily="34" charset="0"/>
+              </a:rPr>
+              <a:t>Вызывать не чистые функции, например </a:t>
+            </a:r>
+            <a:r>
+              <a:rPr lang="ru-RU" dirty="0" err="1">
+                <a:latin typeface="Calibri" pitchFamily="34" charset="0"/>
+              </a:rPr>
+              <a:t>Date.now</a:t>
+            </a:r>
+            <a:r>
+              <a:rPr lang="ru-RU" dirty="0">
+                <a:latin typeface="Calibri" pitchFamily="34" charset="0"/>
+              </a:rPr>
+              <a:t>() или </a:t>
+            </a:r>
+            <a:r>
+              <a:rPr lang="ru-RU" dirty="0" err="1">
+                <a:latin typeface="Calibri" pitchFamily="34" charset="0"/>
+              </a:rPr>
+              <a:t>Math.random</a:t>
+            </a:r>
+            <a:r>
+              <a:rPr lang="ru-RU" dirty="0">
+                <a:latin typeface="Calibri" pitchFamily="34" charset="0"/>
+              </a:rPr>
+              <a:t>().</a:t>
+            </a:r>
+          </a:p>
+          <a:p>
+            <a:endParaRPr lang="en-US" dirty="0">
+              <a:latin typeface="Calibri" pitchFamily="34" charset="0"/>
+            </a:endParaRPr>
+          </a:p>
+          <a:p>
+            <a:endParaRPr lang="uk-UA" dirty="0">
               <a:latin typeface="Calibri" pitchFamily="34" charset="0"/>
             </a:endParaRPr>
           </a:p>
@@ -3300,7 +2909,7 @@
       </p:grpSpPr>
       <p:sp>
         <p:nvSpPr>
-          <p:cNvPr id="7" name="Заголовок 6"/>
+          <p:cNvPr id="2" name="Заголовок 1"/>
           <p:cNvSpPr>
             <a:spLocks noGrp="1"/>
           </p:cNvSpPr>
@@ -3314,43 +2923,317 @@
           <a:lstStyle/>
           <a:p>
             <a:r>
-              <a:rPr lang="ru-RU" dirty="0" smtClean="0"/>
-              <a:t>Структура </a:t>
-            </a:r>
-            <a:r>
-              <a:rPr lang="en-US" dirty="0" err="1" smtClean="0"/>
-              <a:t>Redux</a:t>
+              <a:rPr lang="ru-RU" dirty="0"/>
+              <a:t>Компоненты </a:t>
+            </a:r>
+            <a:r>
+              <a:rPr lang="en-US" dirty="0" err="1"/>
+              <a:t>redux</a:t>
+            </a:r>
+            <a:r>
+              <a:rPr lang="en-US" dirty="0"/>
+              <a:t>: store</a:t>
             </a:r>
             <a:endParaRPr lang="uk-UA" dirty="0"/>
           </a:p>
         </p:txBody>
       </p:sp>
-      <p:pic>
-        <p:nvPicPr>
-          <p:cNvPr id="6146" name="Picture 2" descr="https://media.licdn.com/mpr/mpr/shrinknp_800_800/AAEAAQAAAAAAAAUQAAAAJDAyMWU1MmZhLTYzMTQtNDJkNy1hYzM4LTE5MWQzNWM1ODcyNA.png"/>
-          <p:cNvPicPr>
-            <a:picLocks noChangeAspect="1" noChangeArrowheads="1"/>
-          </p:cNvPicPr>
+      <p:sp>
+        <p:nvSpPr>
+          <p:cNvPr id="5" name="TextBox 4"/>
+          <p:cNvSpPr txBox="1"/>
           <p:nvPr/>
-        </p:nvPicPr>
-        <p:blipFill>
-          <a:blip r:embed="rId2" cstate="print"/>
-          <a:srcRect/>
-          <a:stretch>
-            <a:fillRect/>
-          </a:stretch>
-        </p:blipFill>
-        <p:spPr bwMode="auto">
+        </p:nvSpPr>
+        <p:spPr>
           <a:xfrm>
-            <a:off x="827584" y="1340768"/>
-            <a:ext cx="7620000" cy="5086350"/>
+            <a:off x="683568" y="1844824"/>
+            <a:ext cx="7776864" cy="3477875"/>
           </a:xfrm>
           <a:prstGeom prst="rect">
             <a:avLst/>
           </a:prstGeom>
           <a:noFill/>
         </p:spPr>
-      </p:pic>
+        <p:txBody>
+          <a:bodyPr wrap="square" rtlCol="0">
+            <a:spAutoFit/>
+          </a:bodyPr>
+          <a:lstStyle/>
+          <a:p>
+            <a:r>
+              <a:rPr lang="ru-RU" sz="2000" b="1" dirty="0">
+                <a:latin typeface="Calibri" pitchFamily="34" charset="0"/>
+              </a:rPr>
+              <a:t>Хранилище (</a:t>
+            </a:r>
+            <a:r>
+              <a:rPr lang="ru-RU" sz="2000" b="1" dirty="0" err="1">
+                <a:latin typeface="Calibri" pitchFamily="34" charset="0"/>
+              </a:rPr>
+              <a:t>Store</a:t>
+            </a:r>
+            <a:r>
+              <a:rPr lang="ru-RU" sz="2000" b="1" dirty="0">
+                <a:latin typeface="Calibri" pitchFamily="34" charset="0"/>
+              </a:rPr>
+              <a:t>)</a:t>
+            </a:r>
+            <a:r>
+              <a:rPr lang="ru-RU" sz="2000" dirty="0">
+                <a:latin typeface="Calibri" pitchFamily="34" charset="0"/>
+              </a:rPr>
+              <a:t> - это объект, который соединяет эти части вместе. Хранилище берет на себя следующие задачи:</a:t>
+            </a:r>
+            <a:r>
+              <a:rPr lang="en-US" sz="2000" dirty="0">
+                <a:latin typeface="Calibri" pitchFamily="34" charset="0"/>
+              </a:rPr>
+              <a:t> </a:t>
+            </a:r>
+          </a:p>
+          <a:p>
+            <a:endParaRPr lang="ru-RU" sz="2000" dirty="0">
+              <a:latin typeface="Calibri" pitchFamily="34" charset="0"/>
+            </a:endParaRPr>
+          </a:p>
+          <a:p>
+            <a:pPr>
+              <a:buFont typeface="Arial" pitchFamily="34" charset="0"/>
+              <a:buChar char="•"/>
+            </a:pPr>
+            <a:r>
+              <a:rPr lang="en-US" sz="2000" dirty="0">
+                <a:latin typeface="Calibri" pitchFamily="34" charset="0"/>
+              </a:rPr>
+              <a:t> </a:t>
+            </a:r>
+            <a:r>
+              <a:rPr lang="ru-RU" sz="2000" dirty="0">
+                <a:latin typeface="Calibri" pitchFamily="34" charset="0"/>
+              </a:rPr>
+              <a:t>Содержит состояние приложения (</a:t>
+            </a:r>
+            <a:r>
+              <a:rPr lang="ru-RU" sz="2000" dirty="0" err="1">
+                <a:latin typeface="Calibri" pitchFamily="34" charset="0"/>
+              </a:rPr>
+              <a:t>application</a:t>
+            </a:r>
+            <a:r>
+              <a:rPr lang="ru-RU" sz="2000" dirty="0">
+                <a:latin typeface="Calibri" pitchFamily="34" charset="0"/>
+              </a:rPr>
+              <a:t> </a:t>
+            </a:r>
+            <a:r>
+              <a:rPr lang="ru-RU" sz="2000" dirty="0" err="1">
+                <a:latin typeface="Calibri" pitchFamily="34" charset="0"/>
+              </a:rPr>
+              <a:t>state</a:t>
+            </a:r>
+            <a:r>
+              <a:rPr lang="ru-RU" sz="2000" dirty="0">
+                <a:latin typeface="Calibri" pitchFamily="34" charset="0"/>
+              </a:rPr>
+              <a:t>);</a:t>
+            </a:r>
+            <a:r>
+              <a:rPr lang="en-US" sz="2000" dirty="0">
+                <a:latin typeface="Calibri" pitchFamily="34" charset="0"/>
+              </a:rPr>
+              <a:t> </a:t>
+            </a:r>
+            <a:endParaRPr lang="ru-RU" sz="2000" dirty="0">
+              <a:latin typeface="Calibri" pitchFamily="34" charset="0"/>
+            </a:endParaRPr>
+          </a:p>
+          <a:p>
+            <a:pPr>
+              <a:buFont typeface="Arial" pitchFamily="34" charset="0"/>
+              <a:buChar char="•"/>
+            </a:pPr>
+            <a:r>
+              <a:rPr lang="en-US" sz="2000" dirty="0">
+                <a:latin typeface="Calibri" pitchFamily="34" charset="0"/>
+              </a:rPr>
+              <a:t> </a:t>
+            </a:r>
+            <a:r>
+              <a:rPr lang="ru-RU" sz="2000" dirty="0">
+                <a:latin typeface="Calibri" pitchFamily="34" charset="0"/>
+              </a:rPr>
+              <a:t>Предоставляет доступ к состоянию с помощью </a:t>
+            </a:r>
+            <a:r>
+              <a:rPr lang="ru-RU" sz="2000" dirty="0" err="1">
+                <a:latin typeface="Calibri" pitchFamily="34" charset="0"/>
+              </a:rPr>
+              <a:t>getState</a:t>
+            </a:r>
+            <a:r>
+              <a:rPr lang="ru-RU" sz="2000" dirty="0">
+                <a:latin typeface="Calibri" pitchFamily="34" charset="0"/>
+              </a:rPr>
+              <a:t>();</a:t>
+            </a:r>
+          </a:p>
+          <a:p>
+            <a:pPr>
+              <a:buFont typeface="Arial" pitchFamily="34" charset="0"/>
+              <a:buChar char="•"/>
+            </a:pPr>
+            <a:r>
+              <a:rPr lang="en-US" sz="2000" dirty="0">
+                <a:latin typeface="Calibri" pitchFamily="34" charset="0"/>
+              </a:rPr>
+              <a:t> </a:t>
+            </a:r>
+            <a:r>
+              <a:rPr lang="ru-RU" sz="2000" dirty="0">
+                <a:latin typeface="Calibri" pitchFamily="34" charset="0"/>
+              </a:rPr>
+              <a:t>Предоставляет возможность обновления состояния с помощью </a:t>
+            </a:r>
+            <a:r>
+              <a:rPr lang="ru-RU" sz="2000" dirty="0" err="1">
+                <a:latin typeface="Calibri" pitchFamily="34" charset="0"/>
+              </a:rPr>
+              <a:t>dispatch</a:t>
+            </a:r>
+            <a:r>
+              <a:rPr lang="ru-RU" sz="2000" dirty="0">
+                <a:latin typeface="Calibri" pitchFamily="34" charset="0"/>
+              </a:rPr>
+              <a:t>(</a:t>
+            </a:r>
+            <a:r>
+              <a:rPr lang="ru-RU" sz="2000" dirty="0" err="1">
+                <a:latin typeface="Calibri" pitchFamily="34" charset="0"/>
+              </a:rPr>
+              <a:t>action</a:t>
+            </a:r>
+            <a:r>
+              <a:rPr lang="ru-RU" sz="2000" dirty="0">
+                <a:latin typeface="Calibri" pitchFamily="34" charset="0"/>
+              </a:rPr>
+              <a:t>);</a:t>
+            </a:r>
+          </a:p>
+          <a:p>
+            <a:pPr>
+              <a:buFont typeface="Arial" pitchFamily="34" charset="0"/>
+              <a:buChar char="•"/>
+            </a:pPr>
+            <a:r>
+              <a:rPr lang="en-US" sz="2000" dirty="0">
+                <a:latin typeface="Calibri" pitchFamily="34" charset="0"/>
+              </a:rPr>
+              <a:t> </a:t>
+            </a:r>
+            <a:r>
+              <a:rPr lang="ru-RU" sz="2000" dirty="0">
+                <a:latin typeface="Calibri" pitchFamily="34" charset="0"/>
+              </a:rPr>
+              <a:t>Регистрирует слушатели (</a:t>
+            </a:r>
+            <a:r>
+              <a:rPr lang="ru-RU" sz="2000" dirty="0" err="1">
+                <a:latin typeface="Calibri" pitchFamily="34" charset="0"/>
+              </a:rPr>
+              <a:t>listeners</a:t>
+            </a:r>
+            <a:r>
+              <a:rPr lang="ru-RU" sz="2000" dirty="0">
+                <a:latin typeface="Calibri" pitchFamily="34" charset="0"/>
+              </a:rPr>
+              <a:t>) </a:t>
+            </a:r>
+            <a:r>
+              <a:rPr lang="ru-RU" sz="2000" dirty="0" err="1">
+                <a:latin typeface="Calibri" pitchFamily="34" charset="0"/>
+              </a:rPr>
+              <a:t>c</a:t>
+            </a:r>
+            <a:r>
+              <a:rPr lang="ru-RU" sz="2000" dirty="0">
+                <a:latin typeface="Calibri" pitchFamily="34" charset="0"/>
+              </a:rPr>
+              <a:t> помощью </a:t>
+            </a:r>
+            <a:r>
+              <a:rPr lang="ru-RU" sz="2000" dirty="0" err="1">
+                <a:latin typeface="Calibri" pitchFamily="34" charset="0"/>
+              </a:rPr>
+              <a:t>subscribe</a:t>
+            </a:r>
+            <a:r>
+              <a:rPr lang="ru-RU" sz="2000" dirty="0">
+                <a:latin typeface="Calibri" pitchFamily="34" charset="0"/>
+              </a:rPr>
+              <a:t>(</a:t>
+            </a:r>
+            <a:r>
+              <a:rPr lang="ru-RU" sz="2000" dirty="0" err="1">
+                <a:latin typeface="Calibri" pitchFamily="34" charset="0"/>
+              </a:rPr>
+              <a:t>listener</a:t>
+            </a:r>
+            <a:r>
+              <a:rPr lang="ru-RU" sz="2000" dirty="0">
+                <a:latin typeface="Calibri" pitchFamily="34" charset="0"/>
+              </a:rPr>
+              <a:t>).</a:t>
+            </a:r>
+          </a:p>
+          <a:p>
+            <a:pPr>
+              <a:buFont typeface="Arial" pitchFamily="34" charset="0"/>
+              <a:buChar char="•"/>
+            </a:pPr>
+            <a:r>
+              <a:rPr lang="en-US" sz="2000" dirty="0">
+                <a:latin typeface="Calibri" pitchFamily="34" charset="0"/>
+              </a:rPr>
+              <a:t> </a:t>
+            </a:r>
+            <a:r>
+              <a:rPr lang="ru-RU" sz="2000" dirty="0">
+                <a:latin typeface="Calibri" pitchFamily="34" charset="0"/>
+              </a:rPr>
+              <a:t>Важно отметить, что у Вас будет только </a:t>
+            </a:r>
+            <a:r>
+              <a:rPr lang="ru-RU" sz="2000" b="1" dirty="0">
+                <a:latin typeface="Calibri" pitchFamily="34" charset="0"/>
+              </a:rPr>
+              <a:t>одно</a:t>
+            </a:r>
+            <a:r>
+              <a:rPr lang="ru-RU" sz="2000" dirty="0">
+                <a:latin typeface="Calibri" pitchFamily="34" charset="0"/>
+              </a:rPr>
+              <a:t> хранилище в </a:t>
+            </a:r>
+            <a:r>
+              <a:rPr lang="ru-RU" sz="2000" dirty="0" err="1">
+                <a:latin typeface="Calibri" pitchFamily="34" charset="0"/>
+              </a:rPr>
+              <a:t>Redux</a:t>
+            </a:r>
+            <a:r>
+              <a:rPr lang="ru-RU" sz="2000" dirty="0">
+                <a:latin typeface="Calibri" pitchFamily="34" charset="0"/>
+              </a:rPr>
+              <a:t> приложении.</a:t>
+            </a:r>
+          </a:p>
+          <a:p>
+            <a:endParaRPr lang="uk-UA" sz="2000" dirty="0">
+              <a:latin typeface="Calibri" pitchFamily="34" charset="0"/>
+            </a:endParaRPr>
+          </a:p>
+        </p:txBody>
+      </p:sp>
     </p:spTree>
   </p:cSld>
   <p:clrMapOvr>
